--- a/NBA Playoff Powerpoint.pptx
+++ b/NBA Playoff Powerpoint.pptx
@@ -8,6 +8,7 @@
     <p:sldId id="256" r:id="rId2"/>
     <p:sldId id="257" r:id="rId3"/>
     <p:sldId id="258" r:id="rId4"/>
+    <p:sldId id="259" r:id="rId5"/>
   </p:sldIdLst>
   <p:sldSz cx="12192000" cy="6858000"/>
   <p:notesSz cx="6858000" cy="9144000"/>
@@ -106,6 +107,11 @@
       </a:defRPr>
     </a:lvl9pPr>
   </p:defaultTextStyle>
+  <p:extLst>
+    <p:ext uri="{EFAFB233-063F-42B5-8137-9DF3F51BA10A}">
+      <p15:sldGuideLst xmlns:p15="http://schemas.microsoft.com/office/powerpoint/2012/main"/>
+    </p:ext>
+  </p:extLst>
 </p:presentation>
 </file>
 
@@ -457,7 +463,7 @@
           <a:p>
             <a:fld id="{3CADBD16-5BFB-4D9F-9646-C75D1B53BBB6}" type="datetimeFigureOut">
               <a:rPr lang="en-US" smtClean="0"/>
-              <a:t>5/11/2022</a:t>
+              <a:t>5/13/2022</a:t>
             </a:fld>
             <a:endParaRPr lang="en-US"/>
           </a:p>
@@ -698,7 +704,7 @@
           <a:p>
             <a:fld id="{3CADBD16-5BFB-4D9F-9646-C75D1B53BBB6}" type="datetimeFigureOut">
               <a:rPr lang="en-US" smtClean="0"/>
-              <a:t>5/11/2022</a:t>
+              <a:t>5/13/2022</a:t>
             </a:fld>
             <a:endParaRPr lang="en-US"/>
           </a:p>
@@ -906,7 +912,7 @@
           <a:p>
             <a:fld id="{3CADBD16-5BFB-4D9F-9646-C75D1B53BBB6}" type="datetimeFigureOut">
               <a:rPr lang="en-US" smtClean="0"/>
-              <a:t>5/11/2022</a:t>
+              <a:t>5/13/2022</a:t>
             </a:fld>
             <a:endParaRPr lang="en-US"/>
           </a:p>
@@ -1104,7 +1110,7 @@
           <a:p>
             <a:fld id="{3CADBD16-5BFB-4D9F-9646-C75D1B53BBB6}" type="datetimeFigureOut">
               <a:rPr lang="en-US" smtClean="0"/>
-              <a:t>5/11/2022</a:t>
+              <a:t>5/13/2022</a:t>
             </a:fld>
             <a:endParaRPr lang="en-US"/>
           </a:p>
@@ -1381,7 +1387,7 @@
           <a:p>
             <a:fld id="{3CADBD16-5BFB-4D9F-9646-C75D1B53BBB6}" type="datetimeFigureOut">
               <a:rPr lang="en-US" smtClean="0"/>
-              <a:t>5/11/2022</a:t>
+              <a:t>5/13/2022</a:t>
             </a:fld>
             <a:endParaRPr lang="en-US"/>
           </a:p>
@@ -1646,7 +1652,7 @@
           <a:p>
             <a:fld id="{3CADBD16-5BFB-4D9F-9646-C75D1B53BBB6}" type="datetimeFigureOut">
               <a:rPr lang="en-US" smtClean="0"/>
-              <a:t>5/11/2022</a:t>
+              <a:t>5/13/2022</a:t>
             </a:fld>
             <a:endParaRPr lang="en-US"/>
           </a:p>
@@ -2062,7 +2068,7 @@
           <a:p>
             <a:fld id="{3CADBD16-5BFB-4D9F-9646-C75D1B53BBB6}" type="datetimeFigureOut">
               <a:rPr lang="en-US" smtClean="0"/>
-              <a:t>5/11/2022</a:t>
+              <a:t>5/13/2022</a:t>
             </a:fld>
             <a:endParaRPr lang="en-US"/>
           </a:p>
@@ -2212,7 +2218,7 @@
           <a:p>
             <a:fld id="{3CADBD16-5BFB-4D9F-9646-C75D1B53BBB6}" type="datetimeFigureOut">
               <a:rPr lang="en-US" smtClean="0"/>
-              <a:t>5/11/2022</a:t>
+              <a:t>5/13/2022</a:t>
             </a:fld>
             <a:endParaRPr lang="en-US"/>
           </a:p>
@@ -2325,7 +2331,7 @@
           <a:p>
             <a:fld id="{3CADBD16-5BFB-4D9F-9646-C75D1B53BBB6}" type="datetimeFigureOut">
               <a:rPr lang="en-US" smtClean="0"/>
-              <a:t>5/11/2022</a:t>
+              <a:t>5/13/2022</a:t>
             </a:fld>
             <a:endParaRPr lang="en-US"/>
           </a:p>
@@ -2641,7 +2647,7 @@
           <a:p>
             <a:fld id="{3CADBD16-5BFB-4D9F-9646-C75D1B53BBB6}" type="datetimeFigureOut">
               <a:rPr lang="en-US" smtClean="0"/>
-              <a:t>5/11/2022</a:t>
+              <a:t>5/13/2022</a:t>
             </a:fld>
             <a:endParaRPr lang="en-US"/>
           </a:p>
@@ -2892,7 +2898,7 @@
           <a:p>
             <a:fld id="{3CADBD16-5BFB-4D9F-9646-C75D1B53BBB6}" type="datetimeFigureOut">
               <a:rPr lang="en-US" smtClean="0"/>
-              <a:t>5/11/2022</a:t>
+              <a:t>5/13/2022</a:t>
             </a:fld>
             <a:endParaRPr lang="en-US"/>
           </a:p>
@@ -3401,7 +3407,7 @@
             <a:fld id="{3CADBD16-5BFB-4D9F-9646-C75D1B53BBB6}" type="datetimeFigureOut">
               <a:rPr lang="en-US" smtClean="0"/>
               <a:pPr/>
-              <a:t>5/11/2022</a:t>
+              <a:t>5/13/2022</a:t>
             </a:fld>
             <a:endParaRPr lang="en-US" dirty="0"/>
           </a:p>
@@ -4759,6 +4765,227 @@
 </p:sld>
 </file>
 
+<file path=ppt/slides/slide4.xml><?xml version="1.0" encoding="utf-8"?>
+<p:sld xmlns:a="http://schemas.openxmlformats.org/drawingml/2006/main" xmlns:r="http://schemas.openxmlformats.org/officeDocument/2006/relationships" xmlns:p="http://schemas.openxmlformats.org/presentationml/2006/main">
+  <p:cSld>
+    <p:bg>
+      <p:bgPr>
+        <a:solidFill>
+          <a:schemeClr val="bg1"/>
+        </a:solidFill>
+        <a:effectLst/>
+      </p:bgPr>
+    </p:bg>
+    <p:spTree>
+      <p:nvGrpSpPr>
+        <p:cNvPr id="1" name=""/>
+        <p:cNvGrpSpPr/>
+        <p:nvPr/>
+      </p:nvGrpSpPr>
+      <p:grpSpPr>
+        <a:xfrm>
+          <a:off x="0" y="0"/>
+          <a:ext cx="0" cy="0"/>
+          <a:chOff x="0" y="0"/>
+          <a:chExt cx="0" cy="0"/>
+        </a:xfrm>
+      </p:grpSpPr>
+      <p:sp useBgFill="1">
+        <p:nvSpPr>
+          <p:cNvPr id="12" name="Rectangle 11">
+            <a:extLst>
+              <a:ext uri="{FF2B5EF4-FFF2-40B4-BE49-F238E27FC236}">
+                <a16:creationId xmlns:a16="http://schemas.microsoft.com/office/drawing/2014/main" id="{5D3B97D3-3894-4963-90C5-4EAA66131938}"/>
+              </a:ext>
+              <a:ext uri="{C183D7F6-B498-43B3-948B-1728B52AA6E4}">
+                <adec:decorative xmlns:adec="http://schemas.microsoft.com/office/drawing/2017/decorative" val="1"/>
+              </a:ext>
+            </a:extLst>
+          </p:cNvPr>
+          <p:cNvSpPr>
+            <a:spLocks noGrp="1" noRot="1" noChangeAspect="1" noMove="1" noResize="1" noEditPoints="1" noAdjustHandles="1" noChangeArrowheads="1" noChangeShapeType="1" noTextEdit="1"/>
+          </p:cNvSpPr>
+          <p:nvPr>
+            <p:extLst>
+              <p:ext uri="{386F3935-93C4-4BCD-93E2-E3B085C9AB24}">
+                <p16:designElem xmlns:p16="http://schemas.microsoft.com/office/powerpoint/2015/main" val="1"/>
+              </p:ext>
+            </p:extLst>
+          </p:nvPr>
+        </p:nvSpPr>
+        <p:spPr>
+          <a:xfrm>
+            <a:off x="0" y="0"/>
+            <a:ext cx="12192000" cy="6858000"/>
+          </a:xfrm>
+          <a:prstGeom prst="rect">
+            <a:avLst/>
+          </a:prstGeom>
+          <a:ln w="12700" cap="flat" cmpd="sng" algn="ctr">
+            <a:noFill/>
+            <a:prstDash val="solid"/>
+            <a:miter lim="800000"/>
+          </a:ln>
+          <a:effectLst/>
+          <a:extLst>
+            <a:ext uri="{91240B29-F687-4F45-9708-019B960494DF}">
+              <a14:hiddenLine xmlns:a14="http://schemas.microsoft.com/office/drawing/2010/main" w="12700" cap="flat" cmpd="sng" algn="ctr">
+                <a:solidFill>
+                  <a:schemeClr val="accent1">
+                    <a:shade val="50000"/>
+                  </a:schemeClr>
+                </a:solidFill>
+                <a:prstDash val="solid"/>
+                <a:miter lim="800000"/>
+              </a14:hiddenLine>
+            </a:ext>
+          </a:extLst>
+        </p:spPr>
+        <p:style>
+          <a:lnRef idx="2">
+            <a:schemeClr val="accent1">
+              <a:shade val="50000"/>
+            </a:schemeClr>
+          </a:lnRef>
+          <a:fillRef idx="1">
+            <a:schemeClr val="accent1"/>
+          </a:fillRef>
+          <a:effectRef idx="0">
+            <a:schemeClr val="accent1"/>
+          </a:effectRef>
+          <a:fontRef idx="minor">
+            <a:schemeClr val="lt1"/>
+          </a:fontRef>
+        </p:style>
+        <p:txBody>
+          <a:bodyPr rtlCol="0" anchor="ctr"/>
+          <a:lstStyle/>
+          <a:p>
+            <a:pPr algn="ctr"/>
+            <a:endParaRPr lang="en-US"/>
+          </a:p>
+        </p:txBody>
+      </p:sp>
+      <p:sp>
+        <p:nvSpPr>
+          <p:cNvPr id="2" name="Title 1">
+            <a:extLst>
+              <a:ext uri="{FF2B5EF4-FFF2-40B4-BE49-F238E27FC236}">
+                <a16:creationId xmlns:a16="http://schemas.microsoft.com/office/drawing/2014/main" id="{3DE1F6B5-9AE8-FD67-C62C-D6C2CB78EC68}"/>
+              </a:ext>
+            </a:extLst>
+          </p:cNvPr>
+          <p:cNvSpPr>
+            <a:spLocks noGrp="1"/>
+          </p:cNvSpPr>
+          <p:nvPr>
+            <p:ph type="title"/>
+          </p:nvPr>
+        </p:nvSpPr>
+        <p:spPr>
+          <a:xfrm>
+            <a:off x="7122007" y="597129"/>
+            <a:ext cx="5798126" cy="1360898"/>
+          </a:xfrm>
+        </p:spPr>
+        <p:txBody>
+          <a:bodyPr>
+            <a:normAutofit/>
+          </a:bodyPr>
+          <a:lstStyle/>
+          <a:p>
+            <a:r>
+              <a:rPr lang="en-US" dirty="0">
+                <a:latin typeface="FuturaBT Book" panose="020B0802020204090303" pitchFamily="34" charset="0"/>
+              </a:rPr>
+              <a:t>Machine Learning Model</a:t>
+            </a:r>
+          </a:p>
+        </p:txBody>
+      </p:sp>
+      <p:pic>
+        <p:nvPicPr>
+          <p:cNvPr id="5" name="Content Placeholder 4" descr="Chart, line chart&#10;&#10;Description automatically generated">
+            <a:extLst>
+              <a:ext uri="{FF2B5EF4-FFF2-40B4-BE49-F238E27FC236}">
+                <a16:creationId xmlns:a16="http://schemas.microsoft.com/office/drawing/2014/main" id="{F37961F0-523B-AFF6-C6FC-68243D40F191}"/>
+              </a:ext>
+            </a:extLst>
+          </p:cNvPr>
+          <p:cNvPicPr>
+            <a:picLocks noChangeAspect="1"/>
+          </p:cNvPicPr>
+          <p:nvPr/>
+        </p:nvPicPr>
+        <p:blipFill>
+          <a:blip r:embed="rId2">
+            <a:extLst>
+              <a:ext uri="{28A0092B-C50C-407E-A947-70E740481C1C}">
+                <a14:useLocalDpi xmlns:a14="http://schemas.microsoft.com/office/drawing/2010/main" val="0"/>
+              </a:ext>
+            </a:extLst>
+          </a:blip>
+          <a:stretch>
+            <a:fillRect/>
+          </a:stretch>
+        </p:blipFill>
+        <p:spPr>
+          <a:xfrm>
+            <a:off x="638272" y="1277578"/>
+            <a:ext cx="5737127" cy="4302844"/>
+          </a:xfrm>
+          <a:prstGeom prst="rect">
+            <a:avLst/>
+          </a:prstGeom>
+        </p:spPr>
+      </p:pic>
+      <p:sp>
+        <p:nvSpPr>
+          <p:cNvPr id="9" name="Content Placeholder 8">
+            <a:extLst>
+              <a:ext uri="{FF2B5EF4-FFF2-40B4-BE49-F238E27FC236}">
+                <a16:creationId xmlns:a16="http://schemas.microsoft.com/office/drawing/2014/main" id="{B7AF0D44-9DC8-3CA7-C4A9-3AAC10C04190}"/>
+              </a:ext>
+            </a:extLst>
+          </p:cNvPr>
+          <p:cNvSpPr>
+            <a:spLocks noGrp="1"/>
+          </p:cNvSpPr>
+          <p:nvPr>
+            <p:ph idx="1"/>
+          </p:nvPr>
+        </p:nvSpPr>
+        <p:spPr>
+          <a:xfrm>
+            <a:off x="7122007" y="2221959"/>
+            <a:ext cx="5798126" cy="3840174"/>
+          </a:xfrm>
+        </p:spPr>
+        <p:txBody>
+          <a:bodyPr>
+            <a:normAutofit/>
+          </a:bodyPr>
+          <a:lstStyle/>
+          <a:p>
+            <a:endParaRPr lang="en-US" dirty="0">
+              <a:latin typeface="Helvetica LT Pro" panose="020B0504020202020204" pitchFamily="34" charset="0"/>
+            </a:endParaRPr>
+          </a:p>
+        </p:txBody>
+      </p:sp>
+    </p:spTree>
+    <p:extLst>
+      <p:ext uri="{BB962C8B-B14F-4D97-AF65-F5344CB8AC3E}">
+        <p14:creationId xmlns:p14="http://schemas.microsoft.com/office/powerpoint/2010/main" val="1916279802"/>
+      </p:ext>
+    </p:extLst>
+  </p:cSld>
+  <p:clrMapOvr>
+    <a:masterClrMapping/>
+  </p:clrMapOvr>
+</p:sld>
+</file>
+
 <file path=ppt/theme/theme1.xml><?xml version="1.0" encoding="utf-8"?>
 <a:theme xmlns:a="http://schemas.openxmlformats.org/drawingml/2006/main" name="RegattaVTI">
   <a:themeElements>

--- a/NBA Playoff Powerpoint.pptx
+++ b/NBA Playoff Powerpoint.pptx
@@ -8,7 +8,9 @@
     <p:sldId id="256" r:id="rId2"/>
     <p:sldId id="257" r:id="rId3"/>
     <p:sldId id="258" r:id="rId4"/>
-    <p:sldId id="259" r:id="rId5"/>
+    <p:sldId id="261" r:id="rId5"/>
+    <p:sldId id="259" r:id="rId6"/>
+    <p:sldId id="260" r:id="rId7"/>
   </p:sldIdLst>
   <p:sldSz cx="12192000" cy="6858000"/>
   <p:notesSz cx="6858000" cy="9144000"/>
@@ -463,7 +465,7 @@
           <a:p>
             <a:fld id="{3CADBD16-5BFB-4D9F-9646-C75D1B53BBB6}" type="datetimeFigureOut">
               <a:rPr lang="en-US" smtClean="0"/>
-              <a:t>5/13/2022</a:t>
+              <a:t>5/13/22</a:t>
             </a:fld>
             <a:endParaRPr lang="en-US"/>
           </a:p>
@@ -704,7 +706,7 @@
           <a:p>
             <a:fld id="{3CADBD16-5BFB-4D9F-9646-C75D1B53BBB6}" type="datetimeFigureOut">
               <a:rPr lang="en-US" smtClean="0"/>
-              <a:t>5/13/2022</a:t>
+              <a:t>5/13/22</a:t>
             </a:fld>
             <a:endParaRPr lang="en-US"/>
           </a:p>
@@ -912,7 +914,7 @@
           <a:p>
             <a:fld id="{3CADBD16-5BFB-4D9F-9646-C75D1B53BBB6}" type="datetimeFigureOut">
               <a:rPr lang="en-US" smtClean="0"/>
-              <a:t>5/13/2022</a:t>
+              <a:t>5/13/22</a:t>
             </a:fld>
             <a:endParaRPr lang="en-US"/>
           </a:p>
@@ -1110,7 +1112,7 @@
           <a:p>
             <a:fld id="{3CADBD16-5BFB-4D9F-9646-C75D1B53BBB6}" type="datetimeFigureOut">
               <a:rPr lang="en-US" smtClean="0"/>
-              <a:t>5/13/2022</a:t>
+              <a:t>5/13/22</a:t>
             </a:fld>
             <a:endParaRPr lang="en-US"/>
           </a:p>
@@ -1387,7 +1389,7 @@
           <a:p>
             <a:fld id="{3CADBD16-5BFB-4D9F-9646-C75D1B53BBB6}" type="datetimeFigureOut">
               <a:rPr lang="en-US" smtClean="0"/>
-              <a:t>5/13/2022</a:t>
+              <a:t>5/13/22</a:t>
             </a:fld>
             <a:endParaRPr lang="en-US"/>
           </a:p>
@@ -1652,7 +1654,7 @@
           <a:p>
             <a:fld id="{3CADBD16-5BFB-4D9F-9646-C75D1B53BBB6}" type="datetimeFigureOut">
               <a:rPr lang="en-US" smtClean="0"/>
-              <a:t>5/13/2022</a:t>
+              <a:t>5/13/22</a:t>
             </a:fld>
             <a:endParaRPr lang="en-US"/>
           </a:p>
@@ -2068,7 +2070,7 @@
           <a:p>
             <a:fld id="{3CADBD16-5BFB-4D9F-9646-C75D1B53BBB6}" type="datetimeFigureOut">
               <a:rPr lang="en-US" smtClean="0"/>
-              <a:t>5/13/2022</a:t>
+              <a:t>5/13/22</a:t>
             </a:fld>
             <a:endParaRPr lang="en-US"/>
           </a:p>
@@ -2218,7 +2220,7 @@
           <a:p>
             <a:fld id="{3CADBD16-5BFB-4D9F-9646-C75D1B53BBB6}" type="datetimeFigureOut">
               <a:rPr lang="en-US" smtClean="0"/>
-              <a:t>5/13/2022</a:t>
+              <a:t>5/13/22</a:t>
             </a:fld>
             <a:endParaRPr lang="en-US"/>
           </a:p>
@@ -2331,7 +2333,7 @@
           <a:p>
             <a:fld id="{3CADBD16-5BFB-4D9F-9646-C75D1B53BBB6}" type="datetimeFigureOut">
               <a:rPr lang="en-US" smtClean="0"/>
-              <a:t>5/13/2022</a:t>
+              <a:t>5/13/22</a:t>
             </a:fld>
             <a:endParaRPr lang="en-US"/>
           </a:p>
@@ -2647,7 +2649,7 @@
           <a:p>
             <a:fld id="{3CADBD16-5BFB-4D9F-9646-C75D1B53BBB6}" type="datetimeFigureOut">
               <a:rPr lang="en-US" smtClean="0"/>
-              <a:t>5/13/2022</a:t>
+              <a:t>5/13/22</a:t>
             </a:fld>
             <a:endParaRPr lang="en-US"/>
           </a:p>
@@ -2898,7 +2900,7 @@
           <a:p>
             <a:fld id="{3CADBD16-5BFB-4D9F-9646-C75D1B53BBB6}" type="datetimeFigureOut">
               <a:rPr lang="en-US" smtClean="0"/>
-              <a:t>5/13/2022</a:t>
+              <a:t>5/13/22</a:t>
             </a:fld>
             <a:endParaRPr lang="en-US"/>
           </a:p>
@@ -3407,7 +3409,7 @@
             <a:fld id="{3CADBD16-5BFB-4D9F-9646-C75D1B53BBB6}" type="datetimeFigureOut">
               <a:rPr lang="en-US" smtClean="0"/>
               <a:pPr/>
-              <a:t>5/13/2022</a:t>
+              <a:t>5/13/22</a:t>
             </a:fld>
             <a:endParaRPr lang="en-US" dirty="0"/>
           </a:p>
@@ -4768,14 +4770,6 @@
 <file path=ppt/slides/slide4.xml><?xml version="1.0" encoding="utf-8"?>
 <p:sld xmlns:a="http://schemas.openxmlformats.org/drawingml/2006/main" xmlns:r="http://schemas.openxmlformats.org/officeDocument/2006/relationships" xmlns:p="http://schemas.openxmlformats.org/presentationml/2006/main">
   <p:cSld>
-    <p:bg>
-      <p:bgPr>
-        <a:solidFill>
-          <a:schemeClr val="bg1"/>
-        </a:solidFill>
-        <a:effectLst/>
-      </p:bgPr>
-    </p:bg>
     <p:spTree>
       <p:nvGrpSpPr>
         <p:cNvPr id="1" name=""/>
@@ -4790,88 +4784,12 @@
           <a:chExt cx="0" cy="0"/>
         </a:xfrm>
       </p:grpSpPr>
-      <p:sp useBgFill="1">
-        <p:nvSpPr>
-          <p:cNvPr id="12" name="Rectangle 11">
-            <a:extLst>
-              <a:ext uri="{FF2B5EF4-FFF2-40B4-BE49-F238E27FC236}">
-                <a16:creationId xmlns:a16="http://schemas.microsoft.com/office/drawing/2014/main" id="{5D3B97D3-3894-4963-90C5-4EAA66131938}"/>
-              </a:ext>
-              <a:ext uri="{C183D7F6-B498-43B3-948B-1728B52AA6E4}">
-                <adec:decorative xmlns:adec="http://schemas.microsoft.com/office/drawing/2017/decorative" val="1"/>
-              </a:ext>
-            </a:extLst>
-          </p:cNvPr>
-          <p:cNvSpPr>
-            <a:spLocks noGrp="1" noRot="1" noChangeAspect="1" noMove="1" noResize="1" noEditPoints="1" noAdjustHandles="1" noChangeArrowheads="1" noChangeShapeType="1" noTextEdit="1"/>
-          </p:cNvSpPr>
-          <p:nvPr>
-            <p:extLst>
-              <p:ext uri="{386F3935-93C4-4BCD-93E2-E3B085C9AB24}">
-                <p16:designElem xmlns:p16="http://schemas.microsoft.com/office/powerpoint/2015/main" val="1"/>
-              </p:ext>
-            </p:extLst>
-          </p:nvPr>
-        </p:nvSpPr>
-        <p:spPr>
-          <a:xfrm>
-            <a:off x="0" y="0"/>
-            <a:ext cx="12192000" cy="6858000"/>
-          </a:xfrm>
-          <a:prstGeom prst="rect">
-            <a:avLst/>
-          </a:prstGeom>
-          <a:ln w="12700" cap="flat" cmpd="sng" algn="ctr">
-            <a:noFill/>
-            <a:prstDash val="solid"/>
-            <a:miter lim="800000"/>
-          </a:ln>
-          <a:effectLst/>
-          <a:extLst>
-            <a:ext uri="{91240B29-F687-4F45-9708-019B960494DF}">
-              <a14:hiddenLine xmlns:a14="http://schemas.microsoft.com/office/drawing/2010/main" w="12700" cap="flat" cmpd="sng" algn="ctr">
-                <a:solidFill>
-                  <a:schemeClr val="accent1">
-                    <a:shade val="50000"/>
-                  </a:schemeClr>
-                </a:solidFill>
-                <a:prstDash val="solid"/>
-                <a:miter lim="800000"/>
-              </a14:hiddenLine>
-            </a:ext>
-          </a:extLst>
-        </p:spPr>
-        <p:style>
-          <a:lnRef idx="2">
-            <a:schemeClr val="accent1">
-              <a:shade val="50000"/>
-            </a:schemeClr>
-          </a:lnRef>
-          <a:fillRef idx="1">
-            <a:schemeClr val="accent1"/>
-          </a:fillRef>
-          <a:effectRef idx="0">
-            <a:schemeClr val="accent1"/>
-          </a:effectRef>
-          <a:fontRef idx="minor">
-            <a:schemeClr val="lt1"/>
-          </a:fontRef>
-        </p:style>
-        <p:txBody>
-          <a:bodyPr rtlCol="0" anchor="ctr"/>
-          <a:lstStyle/>
-          <a:p>
-            <a:pPr algn="ctr"/>
-            <a:endParaRPr lang="en-US"/>
-          </a:p>
-        </p:txBody>
-      </p:sp>
       <p:sp>
         <p:nvSpPr>
           <p:cNvPr id="2" name="Title 1">
             <a:extLst>
               <a:ext uri="{FF2B5EF4-FFF2-40B4-BE49-F238E27FC236}">
-                <a16:creationId xmlns:a16="http://schemas.microsoft.com/office/drawing/2014/main" id="{3DE1F6B5-9AE8-FD67-C62C-D6C2CB78EC68}"/>
+                <a16:creationId xmlns:a16="http://schemas.microsoft.com/office/drawing/2014/main" id="{E5C60CD9-739F-0C3F-CFCB-CF51486B6C5A}"/>
               </a:ext>
             </a:extLst>
           </p:cNvPr>
@@ -4882,40 +4800,145 @@
             <p:ph type="title"/>
           </p:nvPr>
         </p:nvSpPr>
-        <p:spPr>
-          <a:xfrm>
-            <a:off x="7122007" y="597129"/>
-            <a:ext cx="5798126" cy="1360898"/>
-          </a:xfrm>
-        </p:spPr>
-        <p:txBody>
-          <a:bodyPr>
-            <a:normAutofit/>
-          </a:bodyPr>
-          <a:lstStyle/>
-          <a:p>
-            <a:r>
-              <a:rPr lang="en-US" dirty="0">
-                <a:latin typeface="FuturaBT Book" panose="020B0802020204090303" pitchFamily="34" charset="0"/>
-              </a:rPr>
-              <a:t>Machine Learning Model</a:t>
+        <p:spPr/>
+        <p:txBody>
+          <a:bodyPr/>
+          <a:lstStyle/>
+          <a:p>
+            <a:r>
+              <a:rPr lang="en-US" dirty="0"/>
+              <a:t>Regression fitting	</a:t>
+            </a:r>
+          </a:p>
+        </p:txBody>
+      </p:sp>
+      <p:sp>
+        <p:nvSpPr>
+          <p:cNvPr id="3" name="Content Placeholder 2">
+            <a:extLst>
+              <a:ext uri="{FF2B5EF4-FFF2-40B4-BE49-F238E27FC236}">
+                <a16:creationId xmlns:a16="http://schemas.microsoft.com/office/drawing/2014/main" id="{F3080C2C-6297-FC6D-93F8-2EA0F09D1CEF}"/>
+              </a:ext>
+            </a:extLst>
+          </p:cNvPr>
+          <p:cNvSpPr>
+            <a:spLocks noGrp="1"/>
+          </p:cNvSpPr>
+          <p:nvPr>
+            <p:ph idx="1"/>
+          </p:nvPr>
+        </p:nvSpPr>
+        <p:spPr/>
+        <p:txBody>
+          <a:bodyPr/>
+          <a:lstStyle/>
+          <a:p>
+            <a:r>
+              <a:rPr lang="en-US" dirty="0"/>
+              <a:t>We used Lasso in R to fit a regression over the regular season stats. </a:t>
+            </a:r>
+          </a:p>
+          <a:p>
+            <a:endParaRPr lang="en-US" dirty="0"/>
+          </a:p>
+          <a:p>
+            <a:r>
+              <a:rPr lang="en-US" dirty="0"/>
+              <a:t>The Lasso method allowed us to penalized the addition of each variable , which helped us prevent overfitting.</a:t>
+            </a:r>
+          </a:p>
+          <a:p>
+            <a:endParaRPr lang="en-US" dirty="0"/>
+          </a:p>
+          <a:p>
+            <a:r>
+              <a:rPr lang="en-US" dirty="0"/>
+              <a:t>This method was preferred over </a:t>
+            </a:r>
+            <a:r>
+              <a:rPr lang="en-US"/>
+              <a:t>random forest </a:t>
+            </a:r>
+            <a:r>
+              <a:rPr lang="en-US" dirty="0"/>
+              <a:t>due to its resistance to overfitting.</a:t>
+            </a:r>
+          </a:p>
+        </p:txBody>
+      </p:sp>
+    </p:spTree>
+    <p:extLst>
+      <p:ext uri="{BB962C8B-B14F-4D97-AF65-F5344CB8AC3E}">
+        <p14:creationId xmlns:p14="http://schemas.microsoft.com/office/powerpoint/2010/main" val="239163829"/>
+      </p:ext>
+    </p:extLst>
+  </p:cSld>
+  <p:clrMapOvr>
+    <a:masterClrMapping/>
+  </p:clrMapOvr>
+</p:sld>
+</file>
+
+<file path=ppt/slides/slide5.xml><?xml version="1.0" encoding="utf-8"?>
+<p:sld xmlns:a="http://schemas.openxmlformats.org/drawingml/2006/main" xmlns:r="http://schemas.openxmlformats.org/officeDocument/2006/relationships" xmlns:p="http://schemas.openxmlformats.org/presentationml/2006/main">
+  <p:cSld>
+    <p:spTree>
+      <p:nvGrpSpPr>
+        <p:cNvPr id="1" name=""/>
+        <p:cNvGrpSpPr/>
+        <p:nvPr/>
+      </p:nvGrpSpPr>
+      <p:grpSpPr>
+        <a:xfrm>
+          <a:off x="0" y="0"/>
+          <a:ext cx="0" cy="0"/>
+          <a:chOff x="0" y="0"/>
+          <a:chExt cx="0" cy="0"/>
+        </a:xfrm>
+      </p:grpSpPr>
+      <p:sp>
+        <p:nvSpPr>
+          <p:cNvPr id="2" name="Title 1">
+            <a:extLst>
+              <a:ext uri="{FF2B5EF4-FFF2-40B4-BE49-F238E27FC236}">
+                <a16:creationId xmlns:a16="http://schemas.microsoft.com/office/drawing/2014/main" id="{9AC8550A-9BE5-8FAE-0B5A-4ACFC88915F6}"/>
+              </a:ext>
+            </a:extLst>
+          </p:cNvPr>
+          <p:cNvSpPr>
+            <a:spLocks noGrp="1"/>
+          </p:cNvSpPr>
+          <p:nvPr>
+            <p:ph type="title"/>
+          </p:nvPr>
+        </p:nvSpPr>
+        <p:spPr/>
+        <p:txBody>
+          <a:bodyPr/>
+          <a:lstStyle/>
+          <a:p>
+            <a:r>
+              <a:rPr lang="en-US" dirty="0"/>
+              <a:t>Matrix of Win Probabilities</a:t>
             </a:r>
           </a:p>
         </p:txBody>
       </p:sp>
       <p:pic>
         <p:nvPicPr>
-          <p:cNvPr id="5" name="Content Placeholder 4" descr="Chart, line chart&#10;&#10;Description automatically generated">
-            <a:extLst>
-              <a:ext uri="{FF2B5EF4-FFF2-40B4-BE49-F238E27FC236}">
-                <a16:creationId xmlns:a16="http://schemas.microsoft.com/office/drawing/2014/main" id="{F37961F0-523B-AFF6-C6FC-68243D40F191}"/>
+          <p:cNvPr id="5" name="Content Placeholder 4" descr="A picture containing text, newspaper&#10;&#10;Description automatically generated">
+            <a:extLst>
+              <a:ext uri="{FF2B5EF4-FFF2-40B4-BE49-F238E27FC236}">
+                <a16:creationId xmlns:a16="http://schemas.microsoft.com/office/drawing/2014/main" id="{39141CEC-6410-2033-6561-2439DE107285}"/>
               </a:ext>
             </a:extLst>
           </p:cNvPr>
           <p:cNvPicPr>
-            <a:picLocks noChangeAspect="1"/>
+            <a:picLocks noGrp="1" noChangeAspect="1"/>
           </p:cNvPicPr>
-          <p:nvPr/>
+          <p:nvPr>
+            <p:ph idx="1"/>
+          </p:nvPr>
         </p:nvPicPr>
         <p:blipFill>
           <a:blip r:embed="rId2">
@@ -4931,52 +4954,151 @@
         </p:blipFill>
         <p:spPr>
           <a:xfrm>
-            <a:off x="638272" y="1277578"/>
-            <a:ext cx="5737127" cy="4302844"/>
+            <a:off x="1143000" y="2102644"/>
+            <a:ext cx="8331200" cy="2349500"/>
+          </a:xfrm>
+        </p:spPr>
+      </p:pic>
+      <p:sp>
+        <p:nvSpPr>
+          <p:cNvPr id="6" name="TextBox 5">
+            <a:extLst>
+              <a:ext uri="{FF2B5EF4-FFF2-40B4-BE49-F238E27FC236}">
+                <a16:creationId xmlns:a16="http://schemas.microsoft.com/office/drawing/2014/main" id="{2A2B1761-8457-5BC3-4D17-E153C8869897}"/>
+              </a:ext>
+            </a:extLst>
+          </p:cNvPr>
+          <p:cNvSpPr txBox="1"/>
+          <p:nvPr/>
+        </p:nvSpPr>
+        <p:spPr>
+          <a:xfrm>
+            <a:off x="1346199" y="4889499"/>
+            <a:ext cx="9905999" cy="1200329"/>
           </a:xfrm>
           <a:prstGeom prst="rect">
             <a:avLst/>
           </a:prstGeom>
+          <a:noFill/>
         </p:spPr>
-      </p:pic>
-      <p:sp>
-        <p:nvSpPr>
-          <p:cNvPr id="9" name="Content Placeholder 8">
-            <a:extLst>
-              <a:ext uri="{FF2B5EF4-FFF2-40B4-BE49-F238E27FC236}">
-                <a16:creationId xmlns:a16="http://schemas.microsoft.com/office/drawing/2014/main" id="{B7AF0D44-9DC8-3CA7-C4A9-3AAC10C04190}"/>
-              </a:ext>
-            </a:extLst>
-          </p:cNvPr>
-          <p:cNvSpPr>
-            <a:spLocks noGrp="1"/>
-          </p:cNvSpPr>
-          <p:nvPr>
-            <p:ph idx="1"/>
-          </p:nvPr>
-        </p:nvSpPr>
-        <p:spPr>
-          <a:xfrm>
-            <a:off x="7122007" y="2221959"/>
-            <a:ext cx="5798126" cy="3840174"/>
-          </a:xfrm>
-        </p:spPr>
-        <p:txBody>
-          <a:bodyPr>
-            <a:normAutofit/>
+        <p:txBody>
+          <a:bodyPr wrap="square" rtlCol="0">
+            <a:spAutoFit/>
           </a:bodyPr>
           <a:lstStyle/>
           <a:p>
-            <a:endParaRPr lang="en-US" dirty="0">
-              <a:latin typeface="Helvetica LT Pro" panose="020B0504020202020204" pitchFamily="34" charset="0"/>
-            </a:endParaRPr>
+            <a:r>
+              <a:rPr lang="en-US" dirty="0"/>
+              <a:t>By predicting a matrix of win probabilities, we can use random draws values to determine winners in a simulated bracket. By repeating this process through a Monte Carlo simulation, we can calculate a winning percentage for each team by dividing their total championship wins over the total iterations of the Monte Carlo simulation </a:t>
+            </a:r>
           </a:p>
         </p:txBody>
       </p:sp>
     </p:spTree>
     <p:extLst>
       <p:ext uri="{BB962C8B-B14F-4D97-AF65-F5344CB8AC3E}">
-        <p14:creationId xmlns:p14="http://schemas.microsoft.com/office/powerpoint/2010/main" val="1916279802"/>
+        <p14:creationId xmlns:p14="http://schemas.microsoft.com/office/powerpoint/2010/main" val="1294876282"/>
+      </p:ext>
+    </p:extLst>
+  </p:cSld>
+  <p:clrMapOvr>
+    <a:masterClrMapping/>
+  </p:clrMapOvr>
+</p:sld>
+</file>
+
+<file path=ppt/slides/slide6.xml><?xml version="1.0" encoding="utf-8"?>
+<p:sld xmlns:a="http://schemas.openxmlformats.org/drawingml/2006/main" xmlns:r="http://schemas.openxmlformats.org/officeDocument/2006/relationships" xmlns:p="http://schemas.openxmlformats.org/presentationml/2006/main">
+  <p:cSld>
+    <p:spTree>
+      <p:nvGrpSpPr>
+        <p:cNvPr id="1" name=""/>
+        <p:cNvGrpSpPr/>
+        <p:nvPr/>
+      </p:nvGrpSpPr>
+      <p:grpSpPr>
+        <a:xfrm>
+          <a:off x="0" y="0"/>
+          <a:ext cx="0" cy="0"/>
+          <a:chOff x="0" y="0"/>
+          <a:chExt cx="0" cy="0"/>
+        </a:xfrm>
+      </p:grpSpPr>
+      <p:sp>
+        <p:nvSpPr>
+          <p:cNvPr id="2" name="Title 1">
+            <a:extLst>
+              <a:ext uri="{FF2B5EF4-FFF2-40B4-BE49-F238E27FC236}">
+                <a16:creationId xmlns:a16="http://schemas.microsoft.com/office/drawing/2014/main" id="{49BCAD7D-9497-7927-22E3-A26972119CE8}"/>
+              </a:ext>
+            </a:extLst>
+          </p:cNvPr>
+          <p:cNvSpPr>
+            <a:spLocks noGrp="1"/>
+          </p:cNvSpPr>
+          <p:nvPr>
+            <p:ph type="title"/>
+          </p:nvPr>
+        </p:nvSpPr>
+        <p:spPr/>
+        <p:txBody>
+          <a:bodyPr/>
+          <a:lstStyle/>
+          <a:p>
+            <a:r>
+              <a:rPr lang="en-US" dirty="0"/>
+              <a:t>Future Exploration</a:t>
+            </a:r>
+          </a:p>
+        </p:txBody>
+      </p:sp>
+      <p:sp>
+        <p:nvSpPr>
+          <p:cNvPr id="3" name="Content Placeholder 2">
+            <a:extLst>
+              <a:ext uri="{FF2B5EF4-FFF2-40B4-BE49-F238E27FC236}">
+                <a16:creationId xmlns:a16="http://schemas.microsoft.com/office/drawing/2014/main" id="{567F39A7-3FD9-A1F7-0242-BF0EB3C5EF68}"/>
+              </a:ext>
+            </a:extLst>
+          </p:cNvPr>
+          <p:cNvSpPr>
+            <a:spLocks noGrp="1"/>
+          </p:cNvSpPr>
+          <p:nvPr>
+            <p:ph idx="1"/>
+          </p:nvPr>
+        </p:nvSpPr>
+        <p:spPr/>
+        <p:txBody>
+          <a:bodyPr/>
+          <a:lstStyle/>
+          <a:p>
+            <a:r>
+              <a:rPr lang="en-US" dirty="0"/>
+              <a:t>We can utilize in-game statistics for specific players to determine their likely scoring performance, most likely in a range of 95% likely-hood. </a:t>
+            </a:r>
+          </a:p>
+          <a:p>
+            <a:r>
+              <a:rPr lang="en-US" dirty="0"/>
+              <a:t>We would use feature engineering to decipher the strongest predictors of scoring performance, and use those in a model to predict any given player’s scoring statistics in a mock final.</a:t>
+            </a:r>
+          </a:p>
+          <a:p>
+            <a:endParaRPr lang="en-US" dirty="0"/>
+          </a:p>
+          <a:p>
+            <a:r>
+              <a:rPr lang="en-US" dirty="0"/>
+              <a:t>For example, we may predict that if Golden State Warriors win the final, Steph Curry is likely to score between 27 and 34 points</a:t>
+            </a:r>
+          </a:p>
+        </p:txBody>
+      </p:sp>
+    </p:spTree>
+    <p:extLst>
+      <p:ext uri="{BB962C8B-B14F-4D97-AF65-F5344CB8AC3E}">
+        <p14:creationId xmlns:p14="http://schemas.microsoft.com/office/powerpoint/2010/main" val="1915388446"/>
       </p:ext>
     </p:extLst>
   </p:cSld>

--- a/NBA Playoff Powerpoint.pptx
+++ b/NBA Playoff Powerpoint.pptx
@@ -9,8 +9,10 @@
     <p:sldId id="257" r:id="rId3"/>
     <p:sldId id="258" r:id="rId4"/>
     <p:sldId id="261" r:id="rId5"/>
-    <p:sldId id="259" r:id="rId6"/>
-    <p:sldId id="260" r:id="rId7"/>
+    <p:sldId id="263" r:id="rId6"/>
+    <p:sldId id="259" r:id="rId7"/>
+    <p:sldId id="262" r:id="rId8"/>
+    <p:sldId id="260" r:id="rId9"/>
   </p:sldIdLst>
   <p:sldSz cx="12192000" cy="6858000"/>
   <p:notesSz cx="6858000" cy="9144000"/>
@@ -4896,6 +4898,112 @@
           <a:chExt cx="0" cy="0"/>
         </a:xfrm>
       </p:grpSpPr>
+      <p:pic>
+        <p:nvPicPr>
+          <p:cNvPr id="3" name="Picture 2" descr="Chart, line chart&#10;&#10;Description automatically generated">
+            <a:extLst>
+              <a:ext uri="{FF2B5EF4-FFF2-40B4-BE49-F238E27FC236}">
+                <a16:creationId xmlns:a16="http://schemas.microsoft.com/office/drawing/2014/main" id="{8398E7A3-89F1-FEB3-C8B6-59FC76B1035E}"/>
+              </a:ext>
+            </a:extLst>
+          </p:cNvPr>
+          <p:cNvPicPr>
+            <a:picLocks noChangeAspect="1"/>
+          </p:cNvPicPr>
+          <p:nvPr/>
+        </p:nvPicPr>
+        <p:blipFill>
+          <a:blip r:embed="rId2">
+            <a:extLst>
+              <a:ext uri="{28A0092B-C50C-407E-A947-70E740481C1C}">
+                <a14:useLocalDpi xmlns:a14="http://schemas.microsoft.com/office/drawing/2010/main" val="0"/>
+              </a:ext>
+            </a:extLst>
+          </a:blip>
+          <a:stretch>
+            <a:fillRect/>
+          </a:stretch>
+        </p:blipFill>
+        <p:spPr>
+          <a:xfrm>
+            <a:off x="101600" y="101600"/>
+            <a:ext cx="7360718" cy="5562600"/>
+          </a:xfrm>
+          <a:prstGeom prst="rect">
+            <a:avLst/>
+          </a:prstGeom>
+        </p:spPr>
+      </p:pic>
+      <p:sp>
+        <p:nvSpPr>
+          <p:cNvPr id="4" name="TextBox 3">
+            <a:extLst>
+              <a:ext uri="{FF2B5EF4-FFF2-40B4-BE49-F238E27FC236}">
+                <a16:creationId xmlns:a16="http://schemas.microsoft.com/office/drawing/2014/main" id="{9B3862CE-792A-FB79-EFDF-FAF571172774}"/>
+              </a:ext>
+            </a:extLst>
+          </p:cNvPr>
+          <p:cNvSpPr txBox="1"/>
+          <p:nvPr/>
+        </p:nvSpPr>
+        <p:spPr>
+          <a:xfrm>
+            <a:off x="7975600" y="850900"/>
+            <a:ext cx="3594100" cy="1754326"/>
+          </a:xfrm>
+          <a:prstGeom prst="rect">
+            <a:avLst/>
+          </a:prstGeom>
+          <a:noFill/>
+        </p:spPr>
+        <p:txBody>
+          <a:bodyPr wrap="square" rtlCol="0">
+            <a:spAutoFit/>
+          </a:bodyPr>
+          <a:lstStyle/>
+          <a:p>
+            <a:r>
+              <a:rPr lang="en-US" dirty="0"/>
+              <a:t>The increased True Positive Rate of the CV logistic regression at given false positive rates indicates that our machine learning made our regression substantially better </a:t>
+            </a:r>
+            <a:r>
+              <a:rPr lang="en-US"/>
+              <a:t>than guessing</a:t>
+            </a:r>
+            <a:endParaRPr lang="en-US" dirty="0"/>
+          </a:p>
+        </p:txBody>
+      </p:sp>
+    </p:spTree>
+    <p:extLst>
+      <p:ext uri="{BB962C8B-B14F-4D97-AF65-F5344CB8AC3E}">
+        <p14:creationId xmlns:p14="http://schemas.microsoft.com/office/powerpoint/2010/main" val="1938024697"/>
+      </p:ext>
+    </p:extLst>
+  </p:cSld>
+  <p:clrMapOvr>
+    <a:masterClrMapping/>
+  </p:clrMapOvr>
+</p:sld>
+</file>
+
+<file path=ppt/slides/slide6.xml><?xml version="1.0" encoding="utf-8"?>
+<p:sld xmlns:a="http://schemas.openxmlformats.org/drawingml/2006/main" xmlns:r="http://schemas.openxmlformats.org/officeDocument/2006/relationships" xmlns:p="http://schemas.openxmlformats.org/presentationml/2006/main">
+  <p:cSld>
+    <p:spTree>
+      <p:nvGrpSpPr>
+        <p:cNvPr id="1" name=""/>
+        <p:cNvGrpSpPr/>
+        <p:nvPr/>
+      </p:nvGrpSpPr>
+      <p:grpSpPr>
+        <a:xfrm>
+          <a:off x="0" y="0"/>
+          <a:ext cx="0" cy="0"/>
+          <a:chOff x="0" y="0"/>
+          <a:chExt cx="0" cy="0"/>
+        </a:xfrm>
+      </p:grpSpPr>
       <p:sp>
         <p:nvSpPr>
           <p:cNvPr id="2" name="Title 1">
@@ -5007,7 +5115,118 @@
 </p:sld>
 </file>
 
-<file path=ppt/slides/slide6.xml><?xml version="1.0" encoding="utf-8"?>
+<file path=ppt/slides/slide7.xml><?xml version="1.0" encoding="utf-8"?>
+<p:sld xmlns:a="http://schemas.openxmlformats.org/drawingml/2006/main" xmlns:r="http://schemas.openxmlformats.org/officeDocument/2006/relationships" xmlns:p="http://schemas.openxmlformats.org/presentationml/2006/main">
+  <p:cSld>
+    <p:spTree>
+      <p:nvGrpSpPr>
+        <p:cNvPr id="1" name=""/>
+        <p:cNvGrpSpPr/>
+        <p:nvPr/>
+      </p:nvGrpSpPr>
+      <p:grpSpPr>
+        <a:xfrm>
+          <a:off x="0" y="0"/>
+          <a:ext cx="0" cy="0"/>
+          <a:chOff x="0" y="0"/>
+          <a:chExt cx="0" cy="0"/>
+        </a:xfrm>
+      </p:grpSpPr>
+      <p:sp>
+        <p:nvSpPr>
+          <p:cNvPr id="2" name="Title 1">
+            <a:extLst>
+              <a:ext uri="{FF2B5EF4-FFF2-40B4-BE49-F238E27FC236}">
+                <a16:creationId xmlns:a16="http://schemas.microsoft.com/office/drawing/2014/main" id="{082B92FF-F6D8-5A9C-73AB-B2AA31AAF310}"/>
+              </a:ext>
+            </a:extLst>
+          </p:cNvPr>
+          <p:cNvSpPr>
+            <a:spLocks noGrp="1"/>
+          </p:cNvSpPr>
+          <p:nvPr>
+            <p:ph type="title"/>
+          </p:nvPr>
+        </p:nvSpPr>
+        <p:spPr/>
+        <p:txBody>
+          <a:bodyPr/>
+          <a:lstStyle/>
+          <a:p>
+            <a:r>
+              <a:rPr lang="en-US" dirty="0"/>
+              <a:t>Monte Carlo to Bracket</a:t>
+            </a:r>
+          </a:p>
+        </p:txBody>
+      </p:sp>
+      <p:sp>
+        <p:nvSpPr>
+          <p:cNvPr id="3" name="Content Placeholder 2">
+            <a:extLst>
+              <a:ext uri="{FF2B5EF4-FFF2-40B4-BE49-F238E27FC236}">
+                <a16:creationId xmlns:a16="http://schemas.microsoft.com/office/drawing/2014/main" id="{07FA4391-591C-36E5-F574-1E56ED0C67D0}"/>
+              </a:ext>
+            </a:extLst>
+          </p:cNvPr>
+          <p:cNvSpPr>
+            <a:spLocks noGrp="1"/>
+          </p:cNvSpPr>
+          <p:nvPr>
+            <p:ph sz="half" idx="1"/>
+          </p:nvPr>
+        </p:nvSpPr>
+        <p:spPr/>
+        <p:txBody>
+          <a:bodyPr/>
+          <a:lstStyle/>
+          <a:p>
+            <a:r>
+              <a:rPr lang="en-US" dirty="0"/>
+              <a:t>By recording the iterated steps of our Monte Carlo simulation, we are able to create and visualize specific brackets </a:t>
+            </a:r>
+          </a:p>
+        </p:txBody>
+      </p:sp>
+      <p:sp>
+        <p:nvSpPr>
+          <p:cNvPr id="4" name="Content Placeholder 3">
+            <a:extLst>
+              <a:ext uri="{FF2B5EF4-FFF2-40B4-BE49-F238E27FC236}">
+                <a16:creationId xmlns:a16="http://schemas.microsoft.com/office/drawing/2014/main" id="{702E1951-FE84-4048-7F63-E534A78FF801}"/>
+              </a:ext>
+            </a:extLst>
+          </p:cNvPr>
+          <p:cNvSpPr>
+            <a:spLocks noGrp="1"/>
+          </p:cNvSpPr>
+          <p:nvPr>
+            <p:ph sz="half" idx="2"/>
+          </p:nvPr>
+        </p:nvSpPr>
+        <p:spPr/>
+        <p:txBody>
+          <a:bodyPr/>
+          <a:lstStyle/>
+          <a:p>
+            <a:endParaRPr lang="en-US"/>
+          </a:p>
+        </p:txBody>
+      </p:sp>
+    </p:spTree>
+    <p:extLst>
+      <p:ext uri="{BB962C8B-B14F-4D97-AF65-F5344CB8AC3E}">
+        <p14:creationId xmlns:p14="http://schemas.microsoft.com/office/powerpoint/2010/main" val="1048149049"/>
+      </p:ext>
+    </p:extLst>
+  </p:cSld>
+  <p:clrMapOvr>
+    <a:masterClrMapping/>
+  </p:clrMapOvr>
+</p:sld>
+</file>
+
+<file path=ppt/slides/slide8.xml><?xml version="1.0" encoding="utf-8"?>
 <p:sld xmlns:a="http://schemas.openxmlformats.org/drawingml/2006/main" xmlns:r="http://schemas.openxmlformats.org/officeDocument/2006/relationships" xmlns:p="http://schemas.openxmlformats.org/presentationml/2006/main">
   <p:cSld>
     <p:spTree>

--- a/NBA Playoff Powerpoint.pptx
+++ b/NBA Playoff Powerpoint.pptx
@@ -7,12 +7,15 @@
   <p:sldIdLst>
     <p:sldId id="256" r:id="rId2"/>
     <p:sldId id="257" r:id="rId3"/>
-    <p:sldId id="258" r:id="rId4"/>
-    <p:sldId id="261" r:id="rId5"/>
-    <p:sldId id="263" r:id="rId6"/>
-    <p:sldId id="259" r:id="rId7"/>
-    <p:sldId id="262" r:id="rId8"/>
-    <p:sldId id="260" r:id="rId9"/>
+    <p:sldId id="266" r:id="rId4"/>
+    <p:sldId id="258" r:id="rId5"/>
+    <p:sldId id="265" r:id="rId6"/>
+    <p:sldId id="261" r:id="rId7"/>
+    <p:sldId id="263" r:id="rId8"/>
+    <p:sldId id="259" r:id="rId9"/>
+    <p:sldId id="262" r:id="rId10"/>
+    <p:sldId id="260" r:id="rId11"/>
+    <p:sldId id="264" r:id="rId12"/>
   </p:sldIdLst>
   <p:sldSz cx="12192000" cy="6858000"/>
   <p:notesSz cx="6858000" cy="9144000"/>
@@ -4516,6 +4519,207 @@
 </p:sld>
 </file>
 
+<file path=ppt/slides/slide10.xml><?xml version="1.0" encoding="utf-8"?>
+<p:sld xmlns:a="http://schemas.openxmlformats.org/drawingml/2006/main" xmlns:r="http://schemas.openxmlformats.org/officeDocument/2006/relationships" xmlns:p="http://schemas.openxmlformats.org/presentationml/2006/main">
+  <p:cSld>
+    <p:spTree>
+      <p:nvGrpSpPr>
+        <p:cNvPr id="1" name=""/>
+        <p:cNvGrpSpPr/>
+        <p:nvPr/>
+      </p:nvGrpSpPr>
+      <p:grpSpPr>
+        <a:xfrm>
+          <a:off x="0" y="0"/>
+          <a:ext cx="0" cy="0"/>
+          <a:chOff x="0" y="0"/>
+          <a:chExt cx="0" cy="0"/>
+        </a:xfrm>
+      </p:grpSpPr>
+      <p:sp>
+        <p:nvSpPr>
+          <p:cNvPr id="2" name="Title 1">
+            <a:extLst>
+              <a:ext uri="{FF2B5EF4-FFF2-40B4-BE49-F238E27FC236}">
+                <a16:creationId xmlns:a16="http://schemas.microsoft.com/office/drawing/2014/main" id="{49BCAD7D-9497-7927-22E3-A26972119CE8}"/>
+              </a:ext>
+            </a:extLst>
+          </p:cNvPr>
+          <p:cNvSpPr>
+            <a:spLocks noGrp="1"/>
+          </p:cNvSpPr>
+          <p:nvPr>
+            <p:ph type="title"/>
+          </p:nvPr>
+        </p:nvSpPr>
+        <p:spPr/>
+        <p:txBody>
+          <a:bodyPr/>
+          <a:lstStyle/>
+          <a:p>
+            <a:r>
+              <a:rPr lang="en-US" dirty="0"/>
+              <a:t>Future Exploration</a:t>
+            </a:r>
+          </a:p>
+        </p:txBody>
+      </p:sp>
+      <p:sp>
+        <p:nvSpPr>
+          <p:cNvPr id="3" name="Content Placeholder 2">
+            <a:extLst>
+              <a:ext uri="{FF2B5EF4-FFF2-40B4-BE49-F238E27FC236}">
+                <a16:creationId xmlns:a16="http://schemas.microsoft.com/office/drawing/2014/main" id="{567F39A7-3FD9-A1F7-0242-BF0EB3C5EF68}"/>
+              </a:ext>
+            </a:extLst>
+          </p:cNvPr>
+          <p:cNvSpPr>
+            <a:spLocks noGrp="1"/>
+          </p:cNvSpPr>
+          <p:nvPr>
+            <p:ph idx="1"/>
+          </p:nvPr>
+        </p:nvSpPr>
+        <p:spPr/>
+        <p:txBody>
+          <a:bodyPr/>
+          <a:lstStyle/>
+          <a:p>
+            <a:r>
+              <a:rPr lang="en-US" dirty="0"/>
+              <a:t>We can utilize in-game statistics for specific players to determine their likely scoring performance, most likely in a range of 95% likely-hood. </a:t>
+            </a:r>
+          </a:p>
+          <a:p>
+            <a:r>
+              <a:rPr lang="en-US" dirty="0"/>
+              <a:t>We would use feature engineering to decipher the strongest predictors of scoring performance, and use those in a model to predict any given player’s scoring statistics in a mock final.</a:t>
+            </a:r>
+          </a:p>
+          <a:p>
+            <a:endParaRPr lang="en-US" dirty="0"/>
+          </a:p>
+          <a:p>
+            <a:r>
+              <a:rPr lang="en-US" dirty="0"/>
+              <a:t>For example, we may predict that if Golden State Warriors win the final, Steph Curry is likely to score between 27 and 34 points</a:t>
+            </a:r>
+          </a:p>
+        </p:txBody>
+      </p:sp>
+    </p:spTree>
+    <p:extLst>
+      <p:ext uri="{BB962C8B-B14F-4D97-AF65-F5344CB8AC3E}">
+        <p14:creationId xmlns:p14="http://schemas.microsoft.com/office/powerpoint/2010/main" val="1915388446"/>
+      </p:ext>
+    </p:extLst>
+  </p:cSld>
+  <p:clrMapOvr>
+    <a:masterClrMapping/>
+  </p:clrMapOvr>
+</p:sld>
+</file>
+
+<file path=ppt/slides/slide11.xml><?xml version="1.0" encoding="utf-8"?>
+<p:sld xmlns:a="http://schemas.openxmlformats.org/drawingml/2006/main" xmlns:r="http://schemas.openxmlformats.org/officeDocument/2006/relationships" xmlns:p="http://schemas.openxmlformats.org/presentationml/2006/main">
+  <p:cSld>
+    <p:spTree>
+      <p:nvGrpSpPr>
+        <p:cNvPr id="1" name=""/>
+        <p:cNvGrpSpPr/>
+        <p:nvPr/>
+      </p:nvGrpSpPr>
+      <p:grpSpPr>
+        <a:xfrm>
+          <a:off x="0" y="0"/>
+          <a:ext cx="0" cy="0"/>
+          <a:chOff x="0" y="0"/>
+          <a:chExt cx="0" cy="0"/>
+        </a:xfrm>
+      </p:grpSpPr>
+      <p:sp>
+        <p:nvSpPr>
+          <p:cNvPr id="2" name="Title 1">
+            <a:extLst>
+              <a:ext uri="{FF2B5EF4-FFF2-40B4-BE49-F238E27FC236}">
+                <a16:creationId xmlns:a16="http://schemas.microsoft.com/office/drawing/2014/main" id="{FC3111B9-B3AC-B3DB-3AF9-DADC8BE9A381}"/>
+              </a:ext>
+            </a:extLst>
+          </p:cNvPr>
+          <p:cNvSpPr>
+            <a:spLocks noGrp="1"/>
+          </p:cNvSpPr>
+          <p:nvPr>
+            <p:ph type="title"/>
+          </p:nvPr>
+        </p:nvSpPr>
+        <p:spPr/>
+        <p:txBody>
+          <a:bodyPr/>
+          <a:lstStyle/>
+          <a:p>
+            <a:r>
+              <a:rPr lang="en-US" dirty="0"/>
+              <a:t>Data addition Extension</a:t>
+            </a:r>
+          </a:p>
+        </p:txBody>
+      </p:sp>
+      <p:sp>
+        <p:nvSpPr>
+          <p:cNvPr id="3" name="Content Placeholder 2">
+            <a:extLst>
+              <a:ext uri="{FF2B5EF4-FFF2-40B4-BE49-F238E27FC236}">
+                <a16:creationId xmlns:a16="http://schemas.microsoft.com/office/drawing/2014/main" id="{6F5F06C9-5DF4-BEBD-81D0-BCB7405130DF}"/>
+              </a:ext>
+            </a:extLst>
+          </p:cNvPr>
+          <p:cNvSpPr>
+            <a:spLocks noGrp="1"/>
+          </p:cNvSpPr>
+          <p:nvPr>
+            <p:ph idx="1"/>
+          </p:nvPr>
+        </p:nvSpPr>
+        <p:spPr/>
+        <p:txBody>
+          <a:bodyPr>
+            <a:normAutofit fontScale="92500"/>
+          </a:bodyPr>
+          <a:lstStyle/>
+          <a:p>
+            <a:r>
+              <a:rPr lang="en-US" dirty="0"/>
+              <a:t>Our analysis also does not account for team strategy/game plan. If our data were to include how each team was most likely to approach each game, and how each of those approaches performs against other approaches, the accuracy of the model may be improved. </a:t>
+            </a:r>
+          </a:p>
+          <a:p>
+            <a:r>
+              <a:rPr lang="en-US" dirty="0"/>
+              <a:t>Another possibility is to treat coach records against other coaches as another variable in the regression, allowing for strategies to be rolled into coaching style and helping to explain upset games. </a:t>
+            </a:r>
+          </a:p>
+          <a:p>
+            <a:r>
+              <a:rPr lang="en-US" dirty="0"/>
+              <a:t>The most beneficial addition could be the inclusion of injury data which could help clarify past upset losses, such as the Raptors wins over the Warriors in 2019, and help explain upsets when predicting out.</a:t>
+            </a:r>
+          </a:p>
+        </p:txBody>
+      </p:sp>
+    </p:spTree>
+    <p:extLst>
+      <p:ext uri="{BB962C8B-B14F-4D97-AF65-F5344CB8AC3E}">
+        <p14:creationId xmlns:p14="http://schemas.microsoft.com/office/powerpoint/2010/main" val="3442108315"/>
+      </p:ext>
+    </p:extLst>
+  </p:cSld>
+  <p:clrMapOvr>
+    <a:masterClrMapping/>
+  </p:clrMapOvr>
+</p:sld>
+</file>
+
 <file path=ppt/slides/slide2.xml><?xml version="1.0" encoding="utf-8"?>
 <p:sld xmlns:a="http://schemas.openxmlformats.org/drawingml/2006/main" xmlns:r="http://schemas.openxmlformats.org/officeDocument/2006/relationships" xmlns:p="http://schemas.openxmlformats.org/presentationml/2006/main">
   <p:cSld>
@@ -4640,7 +4844,7 @@
           <p:cNvPr id="2" name="Title 1">
             <a:extLst>
               <a:ext uri="{FF2B5EF4-FFF2-40B4-BE49-F238E27FC236}">
-                <a16:creationId xmlns:a16="http://schemas.microsoft.com/office/drawing/2014/main" id="{B13A3C0F-1C18-2BCA-6282-1FE139E88DE9}"/>
+                <a16:creationId xmlns:a16="http://schemas.microsoft.com/office/drawing/2014/main" id="{342D0E65-B1A6-0848-637D-C780D2A8D7C8}"/>
               </a:ext>
             </a:extLst>
           </p:cNvPr>
@@ -4657,10 +4861,8 @@
           <a:lstStyle/>
           <a:p>
             <a:r>
-              <a:rPr lang="en-US" dirty="0">
-                <a:latin typeface="FuturaBT Book" panose="020B0802020204090303" pitchFamily="34" charset="0"/>
-              </a:rPr>
-              <a:t>Methods</a:t>
+              <a:rPr lang="en-US" dirty="0"/>
+              <a:t>Road Map</a:t>
             </a:r>
           </a:p>
         </p:txBody>
@@ -4670,7 +4872,7 @@
           <p:cNvPr id="3" name="Content Placeholder 2">
             <a:extLst>
               <a:ext uri="{FF2B5EF4-FFF2-40B4-BE49-F238E27FC236}">
-                <a16:creationId xmlns:a16="http://schemas.microsoft.com/office/drawing/2014/main" id="{B84CFF4B-C18F-AED7-EFC7-ACC1860B5CB4}"/>
+                <a16:creationId xmlns:a16="http://schemas.microsoft.com/office/drawing/2014/main" id="{BD221EE4-CB0F-4B23-3A59-0D9220ED18BE}"/>
               </a:ext>
             </a:extLst>
           </p:cNvPr>
@@ -4681,85 +4883,205 @@
             <p:ph idx="1"/>
           </p:nvPr>
         </p:nvSpPr>
-        <p:spPr/>
+        <p:spPr>
+          <a:xfrm>
+            <a:off x="1143001" y="2332025"/>
+            <a:ext cx="2903482" cy="873629"/>
+          </a:xfrm>
+        </p:spPr>
         <p:txBody>
           <a:bodyPr/>
           <a:lstStyle/>
           <a:p>
-            <a:r>
-              <a:rPr lang="en-US" dirty="0">
-                <a:latin typeface="Helvetica LT Pro" panose="020B0504020202020204" pitchFamily="34" charset="0"/>
-              </a:rPr>
-              <a:t>We are using public data from </a:t>
-            </a:r>
-            <a:r>
-              <a:rPr lang="en-US" i="1" dirty="0">
-                <a:latin typeface="Helvetica LT Pro" panose="020B0504020202020204" pitchFamily="34" charset="0"/>
-              </a:rPr>
-              <a:t>sportsreference.com</a:t>
-            </a:r>
-            <a:r>
-              <a:rPr lang="en-US" dirty="0">
-                <a:latin typeface="Helvetica LT Pro" panose="020B0504020202020204" pitchFamily="34" charset="0"/>
-              </a:rPr>
-              <a:t> by aggregating the data into a database using SQL and GCP.</a:t>
-            </a:r>
-          </a:p>
-          <a:p>
-            <a:r>
-              <a:rPr lang="en-US" dirty="0">
-                <a:latin typeface="Helvetica LT Pro" panose="020B0504020202020204" pitchFamily="34" charset="0"/>
-              </a:rPr>
-              <a:t>A </a:t>
-            </a:r>
-            <a:r>
-              <a:rPr lang="en-US" dirty="0" err="1">
-                <a:latin typeface="Helvetica LT Pro" panose="020B0504020202020204" pitchFamily="34" charset="0"/>
-              </a:rPr>
-              <a:t>probit</a:t>
-            </a:r>
-            <a:r>
-              <a:rPr lang="en-US" dirty="0">
-                <a:latin typeface="Helvetica LT Pro" panose="020B0504020202020204" pitchFamily="34" charset="0"/>
-              </a:rPr>
-              <a:t> model is then constructed and trained on the newly created database, forming winning probabilities for each matchup of teams.</a:t>
-            </a:r>
-          </a:p>
-          <a:p>
-            <a:r>
-              <a:rPr lang="en-US" dirty="0">
-                <a:latin typeface="Helvetica LT Pro" panose="020B0504020202020204" pitchFamily="34" charset="0"/>
-              </a:rPr>
-              <a:t>A </a:t>
-            </a:r>
-            <a:r>
-              <a:rPr lang="en-US" dirty="0" err="1">
-                <a:latin typeface="Helvetica LT Pro" panose="020B0504020202020204" pitchFamily="34" charset="0"/>
-              </a:rPr>
-              <a:t>probit</a:t>
-            </a:r>
-            <a:r>
-              <a:rPr lang="en-US" dirty="0">
-                <a:latin typeface="Helvetica LT Pro" panose="020B0504020202020204" pitchFamily="34" charset="0"/>
-              </a:rPr>
-              <a:t> model is used because score differentials tend to follow a normal distribution pattern, giving us the best chance of having </a:t>
-            </a:r>
-            <a:r>
-              <a:rPr lang="en-US">
-                <a:latin typeface="Helvetica LT Pro" panose="020B0504020202020204" pitchFamily="34" charset="0"/>
-              </a:rPr>
-              <a:t>accurate predictions.</a:t>
-            </a:r>
-            <a:endParaRPr lang="en-US" dirty="0">
-              <a:latin typeface="Helvetica LT Pro" panose="020B0504020202020204" pitchFamily="34" charset="0"/>
-            </a:endParaRPr>
+            <a:pPr marL="0" indent="0">
+              <a:buNone/>
+            </a:pPr>
+            <a:r>
+              <a:rPr lang="en-US" dirty="0"/>
+              <a:t>Data Collection</a:t>
+            </a:r>
+          </a:p>
+        </p:txBody>
+      </p:sp>
+      <p:sp>
+        <p:nvSpPr>
+          <p:cNvPr id="4" name="TextBox 3">
+            <a:extLst>
+              <a:ext uri="{FF2B5EF4-FFF2-40B4-BE49-F238E27FC236}">
+                <a16:creationId xmlns:a16="http://schemas.microsoft.com/office/drawing/2014/main" id="{A8B9F525-B295-B8CB-B73E-A80A2DFFCD3D}"/>
+              </a:ext>
+            </a:extLst>
+          </p:cNvPr>
+          <p:cNvSpPr txBox="1"/>
+          <p:nvPr/>
+        </p:nvSpPr>
+        <p:spPr>
+          <a:xfrm flipH="1">
+            <a:off x="4897822" y="2399507"/>
+            <a:ext cx="3247697" cy="369332"/>
+          </a:xfrm>
+          <a:prstGeom prst="rect">
+            <a:avLst/>
+          </a:prstGeom>
+          <a:noFill/>
+        </p:spPr>
+        <p:txBody>
+          <a:bodyPr wrap="square" rtlCol="0">
+            <a:spAutoFit/>
+          </a:bodyPr>
+          <a:lstStyle/>
+          <a:p>
+            <a:r>
+              <a:rPr lang="en-US" dirty="0"/>
+              <a:t>Data Cleaning</a:t>
+            </a:r>
+          </a:p>
+        </p:txBody>
+      </p:sp>
+      <p:sp>
+        <p:nvSpPr>
+          <p:cNvPr id="5" name="TextBox 4">
+            <a:extLst>
+              <a:ext uri="{FF2B5EF4-FFF2-40B4-BE49-F238E27FC236}">
+                <a16:creationId xmlns:a16="http://schemas.microsoft.com/office/drawing/2014/main" id="{30F09AA7-F50B-31F7-7549-D8CE124BF1BC}"/>
+              </a:ext>
+            </a:extLst>
+          </p:cNvPr>
+          <p:cNvSpPr txBox="1"/>
+          <p:nvPr/>
+        </p:nvSpPr>
+        <p:spPr>
+          <a:xfrm>
+            <a:off x="7979978" y="2408746"/>
+            <a:ext cx="1860332" cy="369332"/>
+          </a:xfrm>
+          <a:prstGeom prst="rect">
+            <a:avLst/>
+          </a:prstGeom>
+          <a:noFill/>
+        </p:spPr>
+        <p:txBody>
+          <a:bodyPr wrap="square" rtlCol="0">
+            <a:spAutoFit/>
+          </a:bodyPr>
+          <a:lstStyle/>
+          <a:p>
+            <a:r>
+              <a:rPr lang="en-US" dirty="0"/>
+              <a:t>Model Fitting</a:t>
+            </a:r>
+          </a:p>
+        </p:txBody>
+      </p:sp>
+      <p:sp>
+        <p:nvSpPr>
+          <p:cNvPr id="6" name="TextBox 5">
+            <a:extLst>
+              <a:ext uri="{FF2B5EF4-FFF2-40B4-BE49-F238E27FC236}">
+                <a16:creationId xmlns:a16="http://schemas.microsoft.com/office/drawing/2014/main" id="{FEBD5BC1-271F-406F-3361-EC2F54D33ADC}"/>
+              </a:ext>
+            </a:extLst>
+          </p:cNvPr>
+          <p:cNvSpPr txBox="1"/>
+          <p:nvPr/>
+        </p:nvSpPr>
+        <p:spPr>
+          <a:xfrm>
+            <a:off x="7979978" y="4079923"/>
+            <a:ext cx="2070538" cy="369332"/>
+          </a:xfrm>
+          <a:prstGeom prst="rect">
+            <a:avLst/>
+          </a:prstGeom>
+          <a:noFill/>
+        </p:spPr>
+        <p:txBody>
+          <a:bodyPr wrap="square" rtlCol="0">
+            <a:spAutoFit/>
+          </a:bodyPr>
+          <a:lstStyle/>
+          <a:p>
+            <a:r>
+              <a:rPr lang="en-US" dirty="0"/>
+              <a:t>Winner Prediction</a:t>
+            </a:r>
+          </a:p>
+        </p:txBody>
+      </p:sp>
+      <p:sp>
+        <p:nvSpPr>
+          <p:cNvPr id="7" name="TextBox 6">
+            <a:extLst>
+              <a:ext uri="{FF2B5EF4-FFF2-40B4-BE49-F238E27FC236}">
+                <a16:creationId xmlns:a16="http://schemas.microsoft.com/office/drawing/2014/main" id="{F9E3345E-8A33-511C-C2B7-7D84ED0C83CC}"/>
+              </a:ext>
+            </a:extLst>
+          </p:cNvPr>
+          <p:cNvSpPr txBox="1"/>
+          <p:nvPr/>
+        </p:nvSpPr>
+        <p:spPr>
+          <a:xfrm>
+            <a:off x="4897822" y="4123874"/>
+            <a:ext cx="2060026" cy="369332"/>
+          </a:xfrm>
+          <a:prstGeom prst="rect">
+            <a:avLst/>
+          </a:prstGeom>
+          <a:noFill/>
+        </p:spPr>
+        <p:txBody>
+          <a:bodyPr wrap="square" rtlCol="0">
+            <a:spAutoFit/>
+          </a:bodyPr>
+          <a:lstStyle/>
+          <a:p>
+            <a:r>
+              <a:rPr lang="en-US" dirty="0"/>
+              <a:t>Simulation</a:t>
+            </a:r>
+          </a:p>
+        </p:txBody>
+      </p:sp>
+      <p:sp>
+        <p:nvSpPr>
+          <p:cNvPr id="8" name="TextBox 7">
+            <a:extLst>
+              <a:ext uri="{FF2B5EF4-FFF2-40B4-BE49-F238E27FC236}">
+                <a16:creationId xmlns:a16="http://schemas.microsoft.com/office/drawing/2014/main" id="{AAF53A4D-DD6B-F735-29EF-59C594573911}"/>
+              </a:ext>
+            </a:extLst>
+          </p:cNvPr>
+          <p:cNvSpPr txBox="1"/>
+          <p:nvPr/>
+        </p:nvSpPr>
+        <p:spPr>
+          <a:xfrm>
+            <a:off x="1166650" y="4131773"/>
+            <a:ext cx="2091558" cy="369332"/>
+          </a:xfrm>
+          <a:prstGeom prst="rect">
+            <a:avLst/>
+          </a:prstGeom>
+          <a:noFill/>
+        </p:spPr>
+        <p:txBody>
+          <a:bodyPr wrap="square" rtlCol="0">
+            <a:spAutoFit/>
+          </a:bodyPr>
+          <a:lstStyle/>
+          <a:p>
+            <a:r>
+              <a:rPr lang="en-US" dirty="0"/>
+              <a:t>Visualization </a:t>
+            </a:r>
           </a:p>
         </p:txBody>
       </p:sp>
     </p:spTree>
     <p:extLst>
       <p:ext uri="{BB962C8B-B14F-4D97-AF65-F5344CB8AC3E}">
-        <p14:creationId xmlns:p14="http://schemas.microsoft.com/office/powerpoint/2010/main" val="2367304255"/>
+        <p14:creationId xmlns:p14="http://schemas.microsoft.com/office/powerpoint/2010/main" val="1676091861"/>
       </p:ext>
     </p:extLst>
   </p:cSld>
@@ -4791,7 +5113,7 @@
           <p:cNvPr id="2" name="Title 1">
             <a:extLst>
               <a:ext uri="{FF2B5EF4-FFF2-40B4-BE49-F238E27FC236}">
-                <a16:creationId xmlns:a16="http://schemas.microsoft.com/office/drawing/2014/main" id="{E5C60CD9-739F-0C3F-CFCB-CF51486B6C5A}"/>
+                <a16:creationId xmlns:a16="http://schemas.microsoft.com/office/drawing/2014/main" id="{B13A3C0F-1C18-2BCA-6282-1FE139E88DE9}"/>
               </a:ext>
             </a:extLst>
           </p:cNvPr>
@@ -4808,8 +5130,10 @@
           <a:lstStyle/>
           <a:p>
             <a:r>
-              <a:rPr lang="en-US" dirty="0"/>
-              <a:t>Regression fitting	</a:t>
+              <a:rPr lang="en-US" dirty="0">
+                <a:latin typeface="FuturaBT Book" panose="020B0802020204090303" pitchFamily="34" charset="0"/>
+              </a:rPr>
+              <a:t>Methods</a:t>
             </a:r>
           </a:p>
         </p:txBody>
@@ -4819,7 +5143,7 @@
           <p:cNvPr id="3" name="Content Placeholder 2">
             <a:extLst>
               <a:ext uri="{FF2B5EF4-FFF2-40B4-BE49-F238E27FC236}">
-                <a16:creationId xmlns:a16="http://schemas.microsoft.com/office/drawing/2014/main" id="{F3080C2C-6297-FC6D-93F8-2EA0F09D1CEF}"/>
+                <a16:creationId xmlns:a16="http://schemas.microsoft.com/office/drawing/2014/main" id="{B84CFF4B-C18F-AED7-EFC7-ACC1860B5CB4}"/>
               </a:ext>
             </a:extLst>
           </p:cNvPr>
@@ -4836,42 +5160,79 @@
           <a:lstStyle/>
           <a:p>
             <a:r>
-              <a:rPr lang="en-US" dirty="0"/>
-              <a:t>We used Lasso in R to fit a regression over the regular season stats. </a:t>
-            </a:r>
-          </a:p>
-          <a:p>
-            <a:endParaRPr lang="en-US" dirty="0"/>
-          </a:p>
-          <a:p>
-            <a:r>
-              <a:rPr lang="en-US" dirty="0"/>
-              <a:t>The Lasso method allowed us to penalized the addition of each variable , which helped us prevent overfitting.</a:t>
-            </a:r>
-          </a:p>
-          <a:p>
-            <a:endParaRPr lang="en-US" dirty="0"/>
-          </a:p>
-          <a:p>
-            <a:r>
-              <a:rPr lang="en-US" dirty="0"/>
-              <a:t>This method was preferred over </a:t>
-            </a:r>
-            <a:r>
-              <a:rPr lang="en-US"/>
-              <a:t>random forest </a:t>
-            </a:r>
-            <a:r>
-              <a:rPr lang="en-US" dirty="0"/>
-              <a:t>due to its resistance to overfitting.</a:t>
-            </a:r>
+              <a:rPr lang="en-US" dirty="0">
+                <a:latin typeface="Helvetica LT Pro" panose="020B0504020202020204" pitchFamily="34" charset="0"/>
+              </a:rPr>
+              <a:t>We are using public data from </a:t>
+            </a:r>
+            <a:r>
+              <a:rPr lang="en-US" i="1" dirty="0">
+                <a:latin typeface="Helvetica LT Pro" panose="020B0504020202020204" pitchFamily="34" charset="0"/>
+              </a:rPr>
+              <a:t>sportsreference.com</a:t>
+            </a:r>
+            <a:r>
+              <a:rPr lang="en-US" dirty="0">
+                <a:latin typeface="Helvetica LT Pro" panose="020B0504020202020204" pitchFamily="34" charset="0"/>
+              </a:rPr>
+              <a:t> by aggregating the data into a database using SQL and GCP.</a:t>
+            </a:r>
+          </a:p>
+          <a:p>
+            <a:r>
+              <a:rPr lang="en-US" dirty="0">
+                <a:latin typeface="Helvetica LT Pro" panose="020B0504020202020204" pitchFamily="34" charset="0"/>
+              </a:rPr>
+              <a:t>A </a:t>
+            </a:r>
+            <a:r>
+              <a:rPr lang="en-US" dirty="0" err="1">
+                <a:latin typeface="Helvetica LT Pro" panose="020B0504020202020204" pitchFamily="34" charset="0"/>
+              </a:rPr>
+              <a:t>probit</a:t>
+            </a:r>
+            <a:r>
+              <a:rPr lang="en-US" dirty="0">
+                <a:latin typeface="Helvetica LT Pro" panose="020B0504020202020204" pitchFamily="34" charset="0"/>
+              </a:rPr>
+              <a:t> model is then constructed and trained on the newly created database, forming winning probabilities for each matchup of teams.</a:t>
+            </a:r>
+          </a:p>
+          <a:p>
+            <a:r>
+              <a:rPr lang="en-US" dirty="0">
+                <a:latin typeface="Helvetica LT Pro" panose="020B0504020202020204" pitchFamily="34" charset="0"/>
+              </a:rPr>
+              <a:t>A </a:t>
+            </a:r>
+            <a:r>
+              <a:rPr lang="en-US" dirty="0" err="1">
+                <a:latin typeface="Helvetica LT Pro" panose="020B0504020202020204" pitchFamily="34" charset="0"/>
+              </a:rPr>
+              <a:t>probit</a:t>
+            </a:r>
+            <a:r>
+              <a:rPr lang="en-US" dirty="0">
+                <a:latin typeface="Helvetica LT Pro" panose="020B0504020202020204" pitchFamily="34" charset="0"/>
+              </a:rPr>
+              <a:t> model is used because score differentials tend to follow a normal distribution pattern, giving us the best chance of having </a:t>
+            </a:r>
+            <a:r>
+              <a:rPr lang="en-US">
+                <a:latin typeface="Helvetica LT Pro" panose="020B0504020202020204" pitchFamily="34" charset="0"/>
+              </a:rPr>
+              <a:t>accurate predictions.</a:t>
+            </a:r>
+            <a:endParaRPr lang="en-US" dirty="0">
+              <a:latin typeface="Helvetica LT Pro" panose="020B0504020202020204" pitchFamily="34" charset="0"/>
+            </a:endParaRPr>
           </a:p>
         </p:txBody>
       </p:sp>
     </p:spTree>
     <p:extLst>
       <p:ext uri="{BB962C8B-B14F-4D97-AF65-F5344CB8AC3E}">
-        <p14:creationId xmlns:p14="http://schemas.microsoft.com/office/powerpoint/2010/main" val="239163829"/>
+        <p14:creationId xmlns:p14="http://schemas.microsoft.com/office/powerpoint/2010/main" val="2367304255"/>
       </p:ext>
     </p:extLst>
   </p:cSld>
@@ -4898,86 +5259,80 @@
           <a:chExt cx="0" cy="0"/>
         </a:xfrm>
       </p:grpSpPr>
-      <p:pic>
-        <p:nvPicPr>
-          <p:cNvPr id="3" name="Picture 2" descr="Chart, line chart&#10;&#10;Description automatically generated">
-            <a:extLst>
-              <a:ext uri="{FF2B5EF4-FFF2-40B4-BE49-F238E27FC236}">
-                <a16:creationId xmlns:a16="http://schemas.microsoft.com/office/drawing/2014/main" id="{8398E7A3-89F1-FEB3-C8B6-59FC76B1035E}"/>
-              </a:ext>
-            </a:extLst>
-          </p:cNvPr>
-          <p:cNvPicPr>
-            <a:picLocks noChangeAspect="1"/>
-          </p:cNvPicPr>
-          <p:nvPr/>
-        </p:nvPicPr>
-        <p:blipFill>
-          <a:blip r:embed="rId2">
-            <a:extLst>
-              <a:ext uri="{28A0092B-C50C-407E-A947-70E740481C1C}">
-                <a14:useLocalDpi xmlns:a14="http://schemas.microsoft.com/office/drawing/2010/main" val="0"/>
-              </a:ext>
-            </a:extLst>
-          </a:blip>
-          <a:stretch>
-            <a:fillRect/>
-          </a:stretch>
-        </p:blipFill>
-        <p:spPr>
-          <a:xfrm>
-            <a:off x="101600" y="101600"/>
-            <a:ext cx="7360718" cy="5562600"/>
-          </a:xfrm>
-          <a:prstGeom prst="rect">
-            <a:avLst/>
-          </a:prstGeom>
-        </p:spPr>
-      </p:pic>
-      <p:sp>
-        <p:nvSpPr>
-          <p:cNvPr id="4" name="TextBox 3">
-            <a:extLst>
-              <a:ext uri="{FF2B5EF4-FFF2-40B4-BE49-F238E27FC236}">
-                <a16:creationId xmlns:a16="http://schemas.microsoft.com/office/drawing/2014/main" id="{9B3862CE-792A-FB79-EFDF-FAF571172774}"/>
-              </a:ext>
-            </a:extLst>
-          </p:cNvPr>
-          <p:cNvSpPr txBox="1"/>
-          <p:nvPr/>
-        </p:nvSpPr>
-        <p:spPr>
-          <a:xfrm>
-            <a:off x="7975600" y="850900"/>
-            <a:ext cx="3594100" cy="1754326"/>
-          </a:xfrm>
-          <a:prstGeom prst="rect">
-            <a:avLst/>
-          </a:prstGeom>
-          <a:noFill/>
-        </p:spPr>
-        <p:txBody>
-          <a:bodyPr wrap="square" rtlCol="0">
-            <a:spAutoFit/>
-          </a:bodyPr>
-          <a:lstStyle/>
-          <a:p>
-            <a:r>
-              <a:rPr lang="en-US" dirty="0"/>
-              <a:t>The increased True Positive Rate of the CV logistic regression at given false positive rates indicates that our machine learning made our regression substantially better </a:t>
-            </a:r>
-            <a:r>
-              <a:rPr lang="en-US"/>
-              <a:t>than guessing</a:t>
+      <p:sp>
+        <p:nvSpPr>
+          <p:cNvPr id="2" name="Title 1">
+            <a:extLst>
+              <a:ext uri="{FF2B5EF4-FFF2-40B4-BE49-F238E27FC236}">
+                <a16:creationId xmlns:a16="http://schemas.microsoft.com/office/drawing/2014/main" id="{7A42C415-F327-48B5-F1B9-3994D72433D1}"/>
+              </a:ext>
+            </a:extLst>
+          </p:cNvPr>
+          <p:cNvSpPr>
+            <a:spLocks noGrp="1"/>
+          </p:cNvSpPr>
+          <p:nvPr>
+            <p:ph type="title"/>
+          </p:nvPr>
+        </p:nvSpPr>
+        <p:spPr/>
+        <p:txBody>
+          <a:bodyPr/>
+          <a:lstStyle/>
+          <a:p>
+            <a:r>
+              <a:rPr lang="en-US" dirty="0"/>
+              <a:t>Data Collection and Wrangling</a:t>
+            </a:r>
+          </a:p>
+        </p:txBody>
+      </p:sp>
+      <p:sp>
+        <p:nvSpPr>
+          <p:cNvPr id="3" name="Content Placeholder 2">
+            <a:extLst>
+              <a:ext uri="{FF2B5EF4-FFF2-40B4-BE49-F238E27FC236}">
+                <a16:creationId xmlns:a16="http://schemas.microsoft.com/office/drawing/2014/main" id="{CB82BB36-5DA5-5902-3DFB-85FADBD015EB}"/>
+              </a:ext>
+            </a:extLst>
+          </p:cNvPr>
+          <p:cNvSpPr>
+            <a:spLocks noGrp="1"/>
+          </p:cNvSpPr>
+          <p:nvPr>
+            <p:ph idx="1"/>
+          </p:nvPr>
+        </p:nvSpPr>
+        <p:spPr/>
+        <p:txBody>
+          <a:bodyPr/>
+          <a:lstStyle/>
+          <a:p>
+            <a:r>
+              <a:rPr lang="en-US" dirty="0"/>
+              <a:t>We collected team vs team, shooting stats and offensive/defensive rates from </a:t>
+            </a:r>
+            <a:r>
+              <a:rPr lang="en-US" dirty="0" err="1"/>
+              <a:t>sportref.com</a:t>
             </a:r>
             <a:endParaRPr lang="en-US" dirty="0"/>
+          </a:p>
+          <a:p>
+            <a:endParaRPr lang="en-US" dirty="0"/>
+          </a:p>
+          <a:p>
+            <a:r>
+              <a:rPr lang="en-US" dirty="0"/>
+              <a:t>We utilized SQL to join multiple table together and reformatted it so it was suitable for regression</a:t>
+            </a:r>
           </a:p>
         </p:txBody>
       </p:sp>
     </p:spTree>
     <p:extLst>
       <p:ext uri="{BB962C8B-B14F-4D97-AF65-F5344CB8AC3E}">
-        <p14:creationId xmlns:p14="http://schemas.microsoft.com/office/powerpoint/2010/main" val="1938024697"/>
+        <p14:creationId xmlns:p14="http://schemas.microsoft.com/office/powerpoint/2010/main" val="1658907281"/>
       </p:ext>
     </p:extLst>
   </p:cSld>
@@ -5009,7 +5364,7 @@
           <p:cNvPr id="2" name="Title 1">
             <a:extLst>
               <a:ext uri="{FF2B5EF4-FFF2-40B4-BE49-F238E27FC236}">
-                <a16:creationId xmlns:a16="http://schemas.microsoft.com/office/drawing/2014/main" id="{9AC8550A-9BE5-8FAE-0B5A-4ACFC88915F6}"/>
+                <a16:creationId xmlns:a16="http://schemas.microsoft.com/office/drawing/2014/main" id="{E5C60CD9-739F-0C3F-CFCB-CF51486B6C5A}"/>
               </a:ext>
             </a:extLst>
           </p:cNvPr>
@@ -5027,77 +5382,58 @@
           <a:p>
             <a:r>
               <a:rPr lang="en-US" dirty="0"/>
-              <a:t>Matrix of Win Probabilities</a:t>
-            </a:r>
-          </a:p>
-        </p:txBody>
-      </p:sp>
-      <p:pic>
-        <p:nvPicPr>
-          <p:cNvPr id="5" name="Content Placeholder 4" descr="A picture containing text, newspaper&#10;&#10;Description automatically generated">
-            <a:extLst>
-              <a:ext uri="{FF2B5EF4-FFF2-40B4-BE49-F238E27FC236}">
-                <a16:creationId xmlns:a16="http://schemas.microsoft.com/office/drawing/2014/main" id="{39141CEC-6410-2033-6561-2439DE107285}"/>
-              </a:ext>
-            </a:extLst>
-          </p:cNvPr>
-          <p:cNvPicPr>
-            <a:picLocks noGrp="1" noChangeAspect="1"/>
-          </p:cNvPicPr>
+              <a:t>Regression fitting	</a:t>
+            </a:r>
+          </a:p>
+        </p:txBody>
+      </p:sp>
+      <p:sp>
+        <p:nvSpPr>
+          <p:cNvPr id="3" name="Content Placeholder 2">
+            <a:extLst>
+              <a:ext uri="{FF2B5EF4-FFF2-40B4-BE49-F238E27FC236}">
+                <a16:creationId xmlns:a16="http://schemas.microsoft.com/office/drawing/2014/main" id="{F3080C2C-6297-FC6D-93F8-2EA0F09D1CEF}"/>
+              </a:ext>
+            </a:extLst>
+          </p:cNvPr>
+          <p:cNvSpPr>
+            <a:spLocks noGrp="1"/>
+          </p:cNvSpPr>
           <p:nvPr>
             <p:ph idx="1"/>
           </p:nvPr>
-        </p:nvPicPr>
-        <p:blipFill>
-          <a:blip r:embed="rId2">
-            <a:extLst>
-              <a:ext uri="{28A0092B-C50C-407E-A947-70E740481C1C}">
-                <a14:useLocalDpi xmlns:a14="http://schemas.microsoft.com/office/drawing/2010/main" val="0"/>
-              </a:ext>
-            </a:extLst>
-          </a:blip>
-          <a:stretch>
-            <a:fillRect/>
-          </a:stretch>
-        </p:blipFill>
-        <p:spPr>
-          <a:xfrm>
-            <a:off x="1143000" y="2102644"/>
-            <a:ext cx="8331200" cy="2349500"/>
-          </a:xfrm>
-        </p:spPr>
-      </p:pic>
-      <p:sp>
-        <p:nvSpPr>
-          <p:cNvPr id="6" name="TextBox 5">
-            <a:extLst>
-              <a:ext uri="{FF2B5EF4-FFF2-40B4-BE49-F238E27FC236}">
-                <a16:creationId xmlns:a16="http://schemas.microsoft.com/office/drawing/2014/main" id="{2A2B1761-8457-5BC3-4D17-E153C8869897}"/>
-              </a:ext>
-            </a:extLst>
-          </p:cNvPr>
-          <p:cNvSpPr txBox="1"/>
-          <p:nvPr/>
-        </p:nvSpPr>
-        <p:spPr>
-          <a:xfrm>
-            <a:off x="1346199" y="4889499"/>
-            <a:ext cx="9905999" cy="1200329"/>
-          </a:xfrm>
-          <a:prstGeom prst="rect">
-            <a:avLst/>
-          </a:prstGeom>
-          <a:noFill/>
-        </p:spPr>
-        <p:txBody>
-          <a:bodyPr wrap="square" rtlCol="0">
-            <a:spAutoFit/>
-          </a:bodyPr>
-          <a:lstStyle/>
-          <a:p>
-            <a:r>
-              <a:rPr lang="en-US" dirty="0"/>
-              <a:t>By predicting a matrix of win probabilities, we can use random draws values to determine winners in a simulated bracket. By repeating this process through a Monte Carlo simulation, we can calculate a winning percentage for each team by dividing their total championship wins over the total iterations of the Monte Carlo simulation </a:t>
+        </p:nvSpPr>
+        <p:spPr/>
+        <p:txBody>
+          <a:bodyPr/>
+          <a:lstStyle/>
+          <a:p>
+            <a:r>
+              <a:rPr lang="en-US" dirty="0"/>
+              <a:t>We used Lasso in R to estimate covariance over the regular season stats under supervision. We utilized machine learning via </a:t>
+            </a:r>
+            <a:r>
+              <a:rPr lang="en-US" dirty="0" err="1"/>
+              <a:t>sklearn</a:t>
+            </a:r>
+            <a:endParaRPr lang="en-US" dirty="0"/>
+          </a:p>
+          <a:p>
+            <a:endParaRPr lang="en-US" dirty="0"/>
+          </a:p>
+          <a:p>
+            <a:r>
+              <a:rPr lang="en-US" dirty="0"/>
+              <a:t>The Lasso method allowed us to penalized the addition of each variable , which helped us prevent overfitting.</a:t>
+            </a:r>
+          </a:p>
+          <a:p>
+            <a:endParaRPr lang="en-US" dirty="0"/>
+          </a:p>
+          <a:p>
+            <a:r>
+              <a:rPr lang="en-US" dirty="0"/>
+              <a:t>This method was preferred over random forest due to its resistance to overfitting. We confirmed this with cross-validation</a:t>
             </a:r>
           </a:p>
         </p:txBody>
@@ -5105,7 +5441,7 @@
     </p:spTree>
     <p:extLst>
       <p:ext uri="{BB962C8B-B14F-4D97-AF65-F5344CB8AC3E}">
-        <p14:creationId xmlns:p14="http://schemas.microsoft.com/office/powerpoint/2010/main" val="1294876282"/>
+        <p14:creationId xmlns:p14="http://schemas.microsoft.com/office/powerpoint/2010/main" val="239163829"/>
       </p:ext>
     </p:extLst>
   </p:cSld>
@@ -5132,91 +5468,81 @@
           <a:chExt cx="0" cy="0"/>
         </a:xfrm>
       </p:grpSpPr>
-      <p:sp>
-        <p:nvSpPr>
-          <p:cNvPr id="2" name="Title 1">
-            <a:extLst>
-              <a:ext uri="{FF2B5EF4-FFF2-40B4-BE49-F238E27FC236}">
-                <a16:creationId xmlns:a16="http://schemas.microsoft.com/office/drawing/2014/main" id="{082B92FF-F6D8-5A9C-73AB-B2AA31AAF310}"/>
-              </a:ext>
-            </a:extLst>
-          </p:cNvPr>
-          <p:cNvSpPr>
-            <a:spLocks noGrp="1"/>
-          </p:cNvSpPr>
-          <p:nvPr>
-            <p:ph type="title"/>
-          </p:nvPr>
-        </p:nvSpPr>
-        <p:spPr/>
-        <p:txBody>
-          <a:bodyPr/>
-          <a:lstStyle/>
-          <a:p>
-            <a:r>
-              <a:rPr lang="en-US" dirty="0"/>
-              <a:t>Monte Carlo to Bracket</a:t>
-            </a:r>
-          </a:p>
-        </p:txBody>
-      </p:sp>
-      <p:sp>
-        <p:nvSpPr>
-          <p:cNvPr id="3" name="Content Placeholder 2">
-            <a:extLst>
-              <a:ext uri="{FF2B5EF4-FFF2-40B4-BE49-F238E27FC236}">
-                <a16:creationId xmlns:a16="http://schemas.microsoft.com/office/drawing/2014/main" id="{07FA4391-591C-36E5-F574-1E56ED0C67D0}"/>
-              </a:ext>
-            </a:extLst>
-          </p:cNvPr>
-          <p:cNvSpPr>
-            <a:spLocks noGrp="1"/>
-          </p:cNvSpPr>
-          <p:nvPr>
-            <p:ph sz="half" idx="1"/>
-          </p:nvPr>
-        </p:nvSpPr>
-        <p:spPr/>
-        <p:txBody>
-          <a:bodyPr/>
-          <a:lstStyle/>
-          <a:p>
-            <a:r>
-              <a:rPr lang="en-US" dirty="0"/>
-              <a:t>By recording the iterated steps of our Monte Carlo simulation, we are able to create and visualize specific brackets </a:t>
-            </a:r>
-          </a:p>
-        </p:txBody>
-      </p:sp>
-      <p:sp>
-        <p:nvSpPr>
-          <p:cNvPr id="4" name="Content Placeholder 3">
-            <a:extLst>
-              <a:ext uri="{FF2B5EF4-FFF2-40B4-BE49-F238E27FC236}">
-                <a16:creationId xmlns:a16="http://schemas.microsoft.com/office/drawing/2014/main" id="{702E1951-FE84-4048-7F63-E534A78FF801}"/>
-              </a:ext>
-            </a:extLst>
-          </p:cNvPr>
-          <p:cNvSpPr>
-            <a:spLocks noGrp="1"/>
-          </p:cNvSpPr>
-          <p:nvPr>
-            <p:ph sz="half" idx="2"/>
-          </p:nvPr>
-        </p:nvSpPr>
-        <p:spPr/>
-        <p:txBody>
-          <a:bodyPr/>
-          <a:lstStyle/>
-          <a:p>
-            <a:endParaRPr lang="en-US"/>
+      <p:pic>
+        <p:nvPicPr>
+          <p:cNvPr id="3" name="Picture 2" descr="Chart, line chart&#10;&#10;Description automatically generated">
+            <a:extLst>
+              <a:ext uri="{FF2B5EF4-FFF2-40B4-BE49-F238E27FC236}">
+                <a16:creationId xmlns:a16="http://schemas.microsoft.com/office/drawing/2014/main" id="{8398E7A3-89F1-FEB3-C8B6-59FC76B1035E}"/>
+              </a:ext>
+            </a:extLst>
+          </p:cNvPr>
+          <p:cNvPicPr>
+            <a:picLocks noChangeAspect="1"/>
+          </p:cNvPicPr>
+          <p:nvPr/>
+        </p:nvPicPr>
+        <p:blipFill>
+          <a:blip r:embed="rId2">
+            <a:extLst>
+              <a:ext uri="{28A0092B-C50C-407E-A947-70E740481C1C}">
+                <a14:useLocalDpi xmlns:a14="http://schemas.microsoft.com/office/drawing/2010/main" val="0"/>
+              </a:ext>
+            </a:extLst>
+          </a:blip>
+          <a:stretch>
+            <a:fillRect/>
+          </a:stretch>
+        </p:blipFill>
+        <p:spPr>
+          <a:xfrm>
+            <a:off x="101600" y="101600"/>
+            <a:ext cx="7360718" cy="5562600"/>
+          </a:xfrm>
+          <a:prstGeom prst="rect">
+            <a:avLst/>
+          </a:prstGeom>
+        </p:spPr>
+      </p:pic>
+      <p:sp>
+        <p:nvSpPr>
+          <p:cNvPr id="4" name="TextBox 3">
+            <a:extLst>
+              <a:ext uri="{FF2B5EF4-FFF2-40B4-BE49-F238E27FC236}">
+                <a16:creationId xmlns:a16="http://schemas.microsoft.com/office/drawing/2014/main" id="{9B3862CE-792A-FB79-EFDF-FAF571172774}"/>
+              </a:ext>
+            </a:extLst>
+          </p:cNvPr>
+          <p:cNvSpPr txBox="1"/>
+          <p:nvPr/>
+        </p:nvSpPr>
+        <p:spPr>
+          <a:xfrm>
+            <a:off x="7975600" y="850900"/>
+            <a:ext cx="3594100" cy="1754326"/>
+          </a:xfrm>
+          <a:prstGeom prst="rect">
+            <a:avLst/>
+          </a:prstGeom>
+          <a:noFill/>
+        </p:spPr>
+        <p:txBody>
+          <a:bodyPr wrap="square" rtlCol="0">
+            <a:spAutoFit/>
+          </a:bodyPr>
+          <a:lstStyle/>
+          <a:p>
+            <a:r>
+              <a:rPr lang="en-US" dirty="0"/>
+              <a:t>The increased True Positive Rate of the CV logistic regression at given false positive rates indicates that our machine learning made our regression substantially better than guessing</a:t>
+            </a:r>
           </a:p>
         </p:txBody>
       </p:sp>
     </p:spTree>
     <p:extLst>
       <p:ext uri="{BB962C8B-B14F-4D97-AF65-F5344CB8AC3E}">
-        <p14:creationId xmlns:p14="http://schemas.microsoft.com/office/powerpoint/2010/main" val="1048149049"/>
+        <p14:creationId xmlns:p14="http://schemas.microsoft.com/office/powerpoint/2010/main" val="1938024697"/>
       </p:ext>
     </p:extLst>
   </p:cSld>
@@ -5248,7 +5574,7 @@
           <p:cNvPr id="2" name="Title 1">
             <a:extLst>
               <a:ext uri="{FF2B5EF4-FFF2-40B4-BE49-F238E27FC236}">
-                <a16:creationId xmlns:a16="http://schemas.microsoft.com/office/drawing/2014/main" id="{49BCAD7D-9497-7927-22E3-A26972119CE8}"/>
+                <a16:creationId xmlns:a16="http://schemas.microsoft.com/office/drawing/2014/main" id="{9AC8550A-9BE5-8FAE-0B5A-4ACFC88915F6}"/>
               </a:ext>
             </a:extLst>
           </p:cNvPr>
@@ -5266,50 +5592,85 @@
           <a:p>
             <a:r>
               <a:rPr lang="en-US" dirty="0"/>
-              <a:t>Future Exploration</a:t>
-            </a:r>
-          </a:p>
-        </p:txBody>
-      </p:sp>
-      <p:sp>
-        <p:nvSpPr>
-          <p:cNvPr id="3" name="Content Placeholder 2">
-            <a:extLst>
-              <a:ext uri="{FF2B5EF4-FFF2-40B4-BE49-F238E27FC236}">
-                <a16:creationId xmlns:a16="http://schemas.microsoft.com/office/drawing/2014/main" id="{567F39A7-3FD9-A1F7-0242-BF0EB3C5EF68}"/>
-              </a:ext>
-            </a:extLst>
-          </p:cNvPr>
-          <p:cNvSpPr>
-            <a:spLocks noGrp="1"/>
-          </p:cNvSpPr>
+              <a:t>Matrix of Win Probabilities</a:t>
+            </a:r>
+          </a:p>
+        </p:txBody>
+      </p:sp>
+      <p:pic>
+        <p:nvPicPr>
+          <p:cNvPr id="5" name="Content Placeholder 4" descr="A picture containing text, newspaper&#10;&#10;Description automatically generated">
+            <a:extLst>
+              <a:ext uri="{FF2B5EF4-FFF2-40B4-BE49-F238E27FC236}">
+                <a16:creationId xmlns:a16="http://schemas.microsoft.com/office/drawing/2014/main" id="{39141CEC-6410-2033-6561-2439DE107285}"/>
+              </a:ext>
+            </a:extLst>
+          </p:cNvPr>
+          <p:cNvPicPr>
+            <a:picLocks noGrp="1" noChangeAspect="1"/>
+          </p:cNvPicPr>
           <p:nvPr>
             <p:ph idx="1"/>
           </p:nvPr>
-        </p:nvSpPr>
-        <p:spPr/>
-        <p:txBody>
-          <a:bodyPr/>
-          <a:lstStyle/>
-          <a:p>
-            <a:r>
-              <a:rPr lang="en-US" dirty="0"/>
-              <a:t>We can utilize in-game statistics for specific players to determine their likely scoring performance, most likely in a range of 95% likely-hood. </a:t>
-            </a:r>
-          </a:p>
-          <a:p>
-            <a:r>
-              <a:rPr lang="en-US" dirty="0"/>
-              <a:t>We would use feature engineering to decipher the strongest predictors of scoring performance, and use those in a model to predict any given player’s scoring statistics in a mock final.</a:t>
-            </a:r>
-          </a:p>
-          <a:p>
-            <a:endParaRPr lang="en-US" dirty="0"/>
-          </a:p>
-          <a:p>
-            <a:r>
-              <a:rPr lang="en-US" dirty="0"/>
-              <a:t>For example, we may predict that if Golden State Warriors win the final, Steph Curry is likely to score between 27 and 34 points</a:t>
+        </p:nvPicPr>
+        <p:blipFill>
+          <a:blip r:embed="rId2">
+            <a:extLst>
+              <a:ext uri="{28A0092B-C50C-407E-A947-70E740481C1C}">
+                <a14:useLocalDpi xmlns:a14="http://schemas.microsoft.com/office/drawing/2010/main" val="0"/>
+              </a:ext>
+            </a:extLst>
+          </a:blip>
+          <a:stretch>
+            <a:fillRect/>
+          </a:stretch>
+        </p:blipFill>
+        <p:spPr>
+          <a:xfrm>
+            <a:off x="1143000" y="2102644"/>
+            <a:ext cx="8331200" cy="2349500"/>
+          </a:xfrm>
+        </p:spPr>
+      </p:pic>
+      <p:sp>
+        <p:nvSpPr>
+          <p:cNvPr id="6" name="TextBox 5">
+            <a:extLst>
+              <a:ext uri="{FF2B5EF4-FFF2-40B4-BE49-F238E27FC236}">
+                <a16:creationId xmlns:a16="http://schemas.microsoft.com/office/drawing/2014/main" id="{2A2B1761-8457-5BC3-4D17-E153C8869897}"/>
+              </a:ext>
+            </a:extLst>
+          </p:cNvPr>
+          <p:cNvSpPr txBox="1"/>
+          <p:nvPr/>
+        </p:nvSpPr>
+        <p:spPr>
+          <a:xfrm>
+            <a:off x="1346199" y="4889499"/>
+            <a:ext cx="9905999" cy="1200329"/>
+          </a:xfrm>
+          <a:prstGeom prst="rect">
+            <a:avLst/>
+          </a:prstGeom>
+          <a:noFill/>
+        </p:spPr>
+        <p:txBody>
+          <a:bodyPr wrap="square" rtlCol="0">
+            <a:spAutoFit/>
+          </a:bodyPr>
+          <a:lstStyle/>
+          <a:p>
+            <a:r>
+              <a:rPr lang="en-US" dirty="0"/>
+              <a:t>By predicting a matrix of win probabilities with the </a:t>
+            </a:r>
+            <a:r>
+              <a:rPr lang="en-US" dirty="0" err="1"/>
+              <a:t>sklearn</a:t>
+            </a:r>
+            <a:r>
+              <a:rPr lang="en-US" dirty="0"/>
+              <a:t> output, we can use random draws values to determine winners in a simulated bracket. By repeating this process through for loops, we can calculate a winning percentage for each team by dividing their total tournament wins over the total iterations of the Monte Carlo simulation </a:t>
             </a:r>
           </a:p>
         </p:txBody>
@@ -5317,7 +5678,275 @@
     </p:spTree>
     <p:extLst>
       <p:ext uri="{BB962C8B-B14F-4D97-AF65-F5344CB8AC3E}">
-        <p14:creationId xmlns:p14="http://schemas.microsoft.com/office/powerpoint/2010/main" val="1915388446"/>
+        <p14:creationId xmlns:p14="http://schemas.microsoft.com/office/powerpoint/2010/main" val="1294876282"/>
+      </p:ext>
+    </p:extLst>
+  </p:cSld>
+  <p:clrMapOvr>
+    <a:masterClrMapping/>
+  </p:clrMapOvr>
+</p:sld>
+</file>
+
+<file path=ppt/slides/slide9.xml><?xml version="1.0" encoding="utf-8"?>
+<p:sld xmlns:a="http://schemas.openxmlformats.org/drawingml/2006/main" xmlns:r="http://schemas.openxmlformats.org/officeDocument/2006/relationships" xmlns:p="http://schemas.openxmlformats.org/presentationml/2006/main">
+  <p:cSld>
+    <p:spTree>
+      <p:nvGrpSpPr>
+        <p:cNvPr id="1" name=""/>
+        <p:cNvGrpSpPr/>
+        <p:nvPr/>
+      </p:nvGrpSpPr>
+      <p:grpSpPr>
+        <a:xfrm>
+          <a:off x="0" y="0"/>
+          <a:ext cx="0" cy="0"/>
+          <a:chOff x="0" y="0"/>
+          <a:chExt cx="0" cy="0"/>
+        </a:xfrm>
+      </p:grpSpPr>
+      <p:sp>
+        <p:nvSpPr>
+          <p:cNvPr id="2" name="Title 1">
+            <a:extLst>
+              <a:ext uri="{FF2B5EF4-FFF2-40B4-BE49-F238E27FC236}">
+                <a16:creationId xmlns:a16="http://schemas.microsoft.com/office/drawing/2014/main" id="{082B92FF-F6D8-5A9C-73AB-B2AA31AAF310}"/>
+              </a:ext>
+            </a:extLst>
+          </p:cNvPr>
+          <p:cNvSpPr>
+            <a:spLocks noGrp="1"/>
+          </p:cNvSpPr>
+          <p:nvPr>
+            <p:ph type="title"/>
+          </p:nvPr>
+        </p:nvSpPr>
+        <p:spPr/>
+        <p:txBody>
+          <a:bodyPr/>
+          <a:lstStyle/>
+          <a:p>
+            <a:r>
+              <a:rPr lang="en-US" dirty="0"/>
+              <a:t>For loops to Probabilities</a:t>
+            </a:r>
+          </a:p>
+        </p:txBody>
+      </p:sp>
+      <p:sp>
+        <p:nvSpPr>
+          <p:cNvPr id="3" name="Content Placeholder 2">
+            <a:extLst>
+              <a:ext uri="{FF2B5EF4-FFF2-40B4-BE49-F238E27FC236}">
+                <a16:creationId xmlns:a16="http://schemas.microsoft.com/office/drawing/2014/main" id="{07FA4391-591C-36E5-F574-1E56ED0C67D0}"/>
+              </a:ext>
+            </a:extLst>
+          </p:cNvPr>
+          <p:cNvSpPr>
+            <a:spLocks noGrp="1"/>
+          </p:cNvSpPr>
+          <p:nvPr>
+            <p:ph sz="half" idx="1"/>
+          </p:nvPr>
+        </p:nvSpPr>
+        <p:spPr>
+          <a:xfrm>
+            <a:off x="1143000" y="2339501"/>
+            <a:ext cx="2724807" cy="3550597"/>
+          </a:xfrm>
+        </p:spPr>
+        <p:txBody>
+          <a:bodyPr/>
+          <a:lstStyle/>
+          <a:p>
+            <a:r>
+              <a:rPr lang="en-US" dirty="0"/>
+              <a:t>By recording the iterated steps of our for loop simulation, we can calculate the winning probability for each team</a:t>
+            </a:r>
+          </a:p>
+          <a:p>
+            <a:endParaRPr lang="en-US" dirty="0"/>
+          </a:p>
+          <a:p>
+            <a:endParaRPr lang="en-US" dirty="0"/>
+          </a:p>
+        </p:txBody>
+      </p:sp>
+      <p:pic>
+        <p:nvPicPr>
+          <p:cNvPr id="6" name="Content Placeholder 5" descr="Chart, histogram&#10;&#10;Description automatically generated">
+            <a:extLst>
+              <a:ext uri="{FF2B5EF4-FFF2-40B4-BE49-F238E27FC236}">
+                <a16:creationId xmlns:a16="http://schemas.microsoft.com/office/drawing/2014/main" id="{5D8ADDDF-9BC2-ECEA-79C7-2643068E5B7E}"/>
+              </a:ext>
+            </a:extLst>
+          </p:cNvPr>
+          <p:cNvPicPr>
+            <a:picLocks noGrp="1" noChangeAspect="1"/>
+          </p:cNvPicPr>
+          <p:nvPr>
+            <p:ph sz="half" idx="2"/>
+          </p:nvPr>
+        </p:nvPicPr>
+        <p:blipFill>
+          <a:blip r:embed="rId2">
+            <a:extLst>
+              <a:ext uri="{28A0092B-C50C-407E-A947-70E740481C1C}">
+                <a14:useLocalDpi xmlns:a14="http://schemas.microsoft.com/office/drawing/2010/main" val="0"/>
+              </a:ext>
+            </a:extLst>
+          </a:blip>
+          <a:stretch>
+            <a:fillRect/>
+          </a:stretch>
+        </p:blipFill>
+        <p:spPr>
+          <a:xfrm>
+            <a:off x="7168878" y="3381127"/>
+            <a:ext cx="3768882" cy="2793063"/>
+          </a:xfrm>
+        </p:spPr>
+      </p:pic>
+      <p:pic>
+        <p:nvPicPr>
+          <p:cNvPr id="12" name="Picture 11" descr="Chart, histogram&#10;&#10;Description automatically generated">
+            <a:extLst>
+              <a:ext uri="{FF2B5EF4-FFF2-40B4-BE49-F238E27FC236}">
+                <a16:creationId xmlns:a16="http://schemas.microsoft.com/office/drawing/2014/main" id="{7755C0E9-DB28-5E06-6679-8C34262B1F31}"/>
+              </a:ext>
+            </a:extLst>
+          </p:cNvPr>
+          <p:cNvPicPr>
+            <a:picLocks noChangeAspect="1"/>
+          </p:cNvPicPr>
+          <p:nvPr/>
+        </p:nvPicPr>
+        <p:blipFill>
+          <a:blip r:embed="rId3">
+            <a:extLst>
+              <a:ext uri="{28A0092B-C50C-407E-A947-70E740481C1C}">
+                <a14:useLocalDpi xmlns:a14="http://schemas.microsoft.com/office/drawing/2010/main" val="0"/>
+              </a:ext>
+            </a:extLst>
+          </a:blip>
+          <a:stretch>
+            <a:fillRect/>
+          </a:stretch>
+        </p:blipFill>
+        <p:spPr>
+          <a:xfrm>
+            <a:off x="7000299" y="520647"/>
+            <a:ext cx="4106041" cy="2793063"/>
+          </a:xfrm>
+          <a:prstGeom prst="rect">
+            <a:avLst/>
+          </a:prstGeom>
+        </p:spPr>
+      </p:pic>
+      <p:sp>
+        <p:nvSpPr>
+          <p:cNvPr id="13" name="TextBox 12">
+            <a:extLst>
+              <a:ext uri="{FF2B5EF4-FFF2-40B4-BE49-F238E27FC236}">
+                <a16:creationId xmlns:a16="http://schemas.microsoft.com/office/drawing/2014/main" id="{69968125-C44A-1B08-5138-0C224CF3CDA7}"/>
+              </a:ext>
+            </a:extLst>
+          </p:cNvPr>
+          <p:cNvSpPr txBox="1"/>
+          <p:nvPr/>
+        </p:nvSpPr>
+        <p:spPr>
+          <a:xfrm>
+            <a:off x="4162097" y="2837793"/>
+            <a:ext cx="184731" cy="369332"/>
+          </a:xfrm>
+          <a:prstGeom prst="rect">
+            <a:avLst/>
+          </a:prstGeom>
+          <a:noFill/>
+        </p:spPr>
+        <p:txBody>
+          <a:bodyPr wrap="none" rtlCol="0">
+            <a:spAutoFit/>
+          </a:bodyPr>
+          <a:lstStyle/>
+          <a:p>
+            <a:endParaRPr lang="en-US" dirty="0"/>
+          </a:p>
+        </p:txBody>
+      </p:sp>
+      <p:sp>
+        <p:nvSpPr>
+          <p:cNvPr id="14" name="TextBox 13">
+            <a:extLst>
+              <a:ext uri="{FF2B5EF4-FFF2-40B4-BE49-F238E27FC236}">
+                <a16:creationId xmlns:a16="http://schemas.microsoft.com/office/drawing/2014/main" id="{86EBE36E-B128-C8C3-66A8-0F98580340CD}"/>
+              </a:ext>
+            </a:extLst>
+          </p:cNvPr>
+          <p:cNvSpPr txBox="1"/>
+          <p:nvPr/>
+        </p:nvSpPr>
+        <p:spPr>
+          <a:xfrm>
+            <a:off x="5023123" y="2837793"/>
+            <a:ext cx="1838708" cy="3139321"/>
+          </a:xfrm>
+          <a:prstGeom prst="rect">
+            <a:avLst/>
+          </a:prstGeom>
+          <a:noFill/>
+        </p:spPr>
+        <p:txBody>
+          <a:bodyPr wrap="none" rtlCol="0">
+            <a:spAutoFit/>
+          </a:bodyPr>
+          <a:lstStyle/>
+          <a:p>
+            <a:r>
+              <a:rPr lang="en-US" dirty="0"/>
+              <a:t>10000 iterations</a:t>
+            </a:r>
+          </a:p>
+          <a:p>
+            <a:endParaRPr lang="en-US" dirty="0"/>
+          </a:p>
+          <a:p>
+            <a:endParaRPr lang="en-US" dirty="0"/>
+          </a:p>
+          <a:p>
+            <a:endParaRPr lang="en-US" dirty="0"/>
+          </a:p>
+          <a:p>
+            <a:endParaRPr lang="en-US" dirty="0"/>
+          </a:p>
+          <a:p>
+            <a:endParaRPr lang="en-US" dirty="0"/>
+          </a:p>
+          <a:p>
+            <a:endParaRPr lang="en-US" dirty="0"/>
+          </a:p>
+          <a:p>
+            <a:endParaRPr lang="en-US" dirty="0"/>
+          </a:p>
+          <a:p>
+            <a:endParaRPr lang="en-US" dirty="0"/>
+          </a:p>
+          <a:p>
+            <a:endParaRPr lang="en-US" dirty="0"/>
+          </a:p>
+          <a:p>
+            <a:r>
+              <a:rPr lang="en-US" dirty="0"/>
+              <a:t>1000 iterations</a:t>
+            </a:r>
+          </a:p>
+        </p:txBody>
+      </p:sp>
+    </p:spTree>
+    <p:extLst>
+      <p:ext uri="{BB962C8B-B14F-4D97-AF65-F5344CB8AC3E}">
+        <p14:creationId xmlns:p14="http://schemas.microsoft.com/office/powerpoint/2010/main" val="1048149049"/>
       </p:ext>
     </p:extLst>
   </p:cSld>
